--- a/Presentation_ppt.pptx
+++ b/Presentation_ppt.pptx
@@ -13,12 +13,11 @@
     <p:sldId id="261" r:id="rId7"/>
     <p:sldId id="262" r:id="rId8"/>
     <p:sldId id="263" r:id="rId9"/>
-    <p:sldId id="264" r:id="rId10"/>
-    <p:sldId id="265" r:id="rId11"/>
-    <p:sldId id="266" r:id="rId12"/>
-    <p:sldId id="267" r:id="rId13"/>
-    <p:sldId id="268" r:id="rId14"/>
-    <p:sldId id="269" r:id="rId15"/>
+    <p:sldId id="265" r:id="rId10"/>
+    <p:sldId id="266" r:id="rId11"/>
+    <p:sldId id="267" r:id="rId12"/>
+    <p:sldId id="268" r:id="rId13"/>
+    <p:sldId id="269" r:id="rId14"/>
   </p:sldIdLst>
   <p:sldSz cx="12192000" cy="6858000"/>
   <p:notesSz cx="6858000" cy="9144000"/>
@@ -117,6 +116,11 @@
       </a:defRPr>
     </a:lvl9pPr>
   </p:defaultTextStyle>
+  <p:extLst>
+    <p:ext uri="{EFAFB233-063F-42B5-8137-9DF3F51BA10A}">
+      <p15:sldGuideLst xmlns:p15="http://schemas.microsoft.com/office/powerpoint/2012/main"/>
+    </p:ext>
+  </p:extLst>
 </p:presentation>
 </file>
 
@@ -269,7 +273,7 @@
           <a:p>
             <a:fld id="{F29CD701-754A-4611-A3D8-0FABDD845294}" type="datetimeFigureOut">
               <a:rPr lang="en-AU" smtClean="0"/>
-              <a:t>02/05/22</a:t>
+              <a:t>2/05/2022</a:t>
             </a:fld>
             <a:endParaRPr lang="en-AU"/>
           </a:p>
@@ -469,7 +473,7 @@
           <a:p>
             <a:fld id="{F29CD701-754A-4611-A3D8-0FABDD845294}" type="datetimeFigureOut">
               <a:rPr lang="en-AU" smtClean="0"/>
-              <a:t>02/05/22</a:t>
+              <a:t>2/05/2022</a:t>
             </a:fld>
             <a:endParaRPr lang="en-AU"/>
           </a:p>
@@ -679,7 +683,7 @@
           <a:p>
             <a:fld id="{F29CD701-754A-4611-A3D8-0FABDD845294}" type="datetimeFigureOut">
               <a:rPr lang="en-AU" smtClean="0"/>
-              <a:t>02/05/22</a:t>
+              <a:t>2/05/2022</a:t>
             </a:fld>
             <a:endParaRPr lang="en-AU"/>
           </a:p>
@@ -879,7 +883,7 @@
           <a:p>
             <a:fld id="{F29CD701-754A-4611-A3D8-0FABDD845294}" type="datetimeFigureOut">
               <a:rPr lang="en-AU" smtClean="0"/>
-              <a:t>02/05/22</a:t>
+              <a:t>2/05/2022</a:t>
             </a:fld>
             <a:endParaRPr lang="en-AU"/>
           </a:p>
@@ -1155,7 +1159,7 @@
           <a:p>
             <a:fld id="{F29CD701-754A-4611-A3D8-0FABDD845294}" type="datetimeFigureOut">
               <a:rPr lang="en-AU" smtClean="0"/>
-              <a:t>02/05/22</a:t>
+              <a:t>2/05/2022</a:t>
             </a:fld>
             <a:endParaRPr lang="en-AU"/>
           </a:p>
@@ -1423,7 +1427,7 @@
           <a:p>
             <a:fld id="{F29CD701-754A-4611-A3D8-0FABDD845294}" type="datetimeFigureOut">
               <a:rPr lang="en-AU" smtClean="0"/>
-              <a:t>02/05/22</a:t>
+              <a:t>2/05/2022</a:t>
             </a:fld>
             <a:endParaRPr lang="en-AU"/>
           </a:p>
@@ -1838,7 +1842,7 @@
           <a:p>
             <a:fld id="{F29CD701-754A-4611-A3D8-0FABDD845294}" type="datetimeFigureOut">
               <a:rPr lang="en-AU" smtClean="0"/>
-              <a:t>02/05/22</a:t>
+              <a:t>2/05/2022</a:t>
             </a:fld>
             <a:endParaRPr lang="en-AU"/>
           </a:p>
@@ -1980,7 +1984,7 @@
           <a:p>
             <a:fld id="{F29CD701-754A-4611-A3D8-0FABDD845294}" type="datetimeFigureOut">
               <a:rPr lang="en-AU" smtClean="0"/>
-              <a:t>02/05/22</a:t>
+              <a:t>2/05/2022</a:t>
             </a:fld>
             <a:endParaRPr lang="en-AU"/>
           </a:p>
@@ -2093,7 +2097,7 @@
           <a:p>
             <a:fld id="{F29CD701-754A-4611-A3D8-0FABDD845294}" type="datetimeFigureOut">
               <a:rPr lang="en-AU" smtClean="0"/>
-              <a:t>02/05/22</a:t>
+              <a:t>2/05/2022</a:t>
             </a:fld>
             <a:endParaRPr lang="en-AU"/>
           </a:p>
@@ -2406,7 +2410,7 @@
           <a:p>
             <a:fld id="{F29CD701-754A-4611-A3D8-0FABDD845294}" type="datetimeFigureOut">
               <a:rPr lang="en-AU" smtClean="0"/>
-              <a:t>02/05/22</a:t>
+              <a:t>2/05/2022</a:t>
             </a:fld>
             <a:endParaRPr lang="en-AU"/>
           </a:p>
@@ -2695,7 +2699,7 @@
           <a:p>
             <a:fld id="{F29CD701-754A-4611-A3D8-0FABDD845294}" type="datetimeFigureOut">
               <a:rPr lang="en-AU" smtClean="0"/>
-              <a:t>02/05/22</a:t>
+              <a:t>2/05/2022</a:t>
             </a:fld>
             <a:endParaRPr lang="en-AU"/>
           </a:p>
@@ -2938,7 +2942,7 @@
           <a:p>
             <a:fld id="{F29CD701-754A-4611-A3D8-0FABDD845294}" type="datetimeFigureOut">
               <a:rPr lang="en-AU" smtClean="0"/>
-              <a:t>02/05/22</a:t>
+              <a:t>2/05/2022</a:t>
             </a:fld>
             <a:endParaRPr lang="en-AU"/>
           </a:p>
@@ -3444,7 +3448,7 @@
           <p:cNvPr id="2" name="Title 1">
             <a:extLst>
               <a:ext uri="{FF2B5EF4-FFF2-40B4-BE49-F238E27FC236}">
-                <a16:creationId xmlns:a16="http://schemas.microsoft.com/office/drawing/2014/main" id="{739BCF23-592F-1AF8-5151-B47C9886D918}"/>
+                <a16:creationId xmlns:a16="http://schemas.microsoft.com/office/drawing/2014/main" id="{A24800EE-88FD-1E33-FC33-1A0C102730E6}"/>
               </a:ext>
             </a:extLst>
           </p:cNvPr>
@@ -3462,74 +3466,39 @@
           <a:p>
             <a:r>
               <a:rPr lang="en-US" dirty="0"/>
-              <a:t>WA boarder policy </a:t>
+              <a:t>NSW / VIC boarder open date??</a:t>
             </a:r>
             <a:endParaRPr lang="en-AU" dirty="0"/>
           </a:p>
         </p:txBody>
       </p:sp>
-      <p:pic>
-        <p:nvPicPr>
-          <p:cNvPr id="5" name="Picture 4">
-            <a:extLst>
-              <a:ext uri="{FF2B5EF4-FFF2-40B4-BE49-F238E27FC236}">
-                <a16:creationId xmlns:a16="http://schemas.microsoft.com/office/drawing/2014/main" id="{14F11AF9-FC78-BE93-119D-402BDA112621}"/>
-              </a:ext>
-            </a:extLst>
-          </p:cNvPr>
-          <p:cNvPicPr>
-            <a:picLocks noChangeAspect="1"/>
-          </p:cNvPicPr>
-          <p:nvPr/>
-        </p:nvPicPr>
-        <p:blipFill>
-          <a:blip r:embed="rId2"/>
-          <a:stretch>
-            <a:fillRect/>
-          </a:stretch>
-        </p:blipFill>
-        <p:spPr>
-          <a:xfrm>
-            <a:off x="648854" y="1942441"/>
-            <a:ext cx="6586312" cy="2653077"/>
-          </a:xfrm>
-          <a:prstGeom prst="rect">
-            <a:avLst/>
-          </a:prstGeom>
-        </p:spPr>
-      </p:pic>
-      <p:sp>
-        <p:nvSpPr>
-          <p:cNvPr id="6" name="TextBox 5">
-            <a:extLst>
-              <a:ext uri="{FF2B5EF4-FFF2-40B4-BE49-F238E27FC236}">
-                <a16:creationId xmlns:a16="http://schemas.microsoft.com/office/drawing/2014/main" id="{1EC5DC2B-3E95-C99D-B9A6-0ECE057FC459}"/>
-              </a:ext>
-            </a:extLst>
-          </p:cNvPr>
-          <p:cNvSpPr txBox="1"/>
-          <p:nvPr/>
-        </p:nvSpPr>
-        <p:spPr>
-          <a:xfrm>
-            <a:off x="7322820" y="2019300"/>
-            <a:ext cx="4358640" cy="646331"/>
-          </a:xfrm>
-          <a:prstGeom prst="rect">
-            <a:avLst/>
-          </a:prstGeom>
-          <a:noFill/>
-        </p:spPr>
-        <p:txBody>
-          <a:bodyPr wrap="square" rtlCol="0">
-            <a:spAutoFit/>
-          </a:bodyPr>
+      <p:sp>
+        <p:nvSpPr>
+          <p:cNvPr id="3" name="Content Placeholder 2">
+            <a:extLst>
+              <a:ext uri="{FF2B5EF4-FFF2-40B4-BE49-F238E27FC236}">
+                <a16:creationId xmlns:a16="http://schemas.microsoft.com/office/drawing/2014/main" id="{058E70FC-85ED-CB5A-E07C-D7B5DDC58AD9}"/>
+              </a:ext>
+            </a:extLst>
+          </p:cNvPr>
+          <p:cNvSpPr>
+            <a:spLocks noGrp="1"/>
+          </p:cNvSpPr>
+          <p:nvPr>
+            <p:ph idx="1"/>
+          </p:nvPr>
+        </p:nvSpPr>
+        <p:spPr/>
+        <p:txBody>
+          <a:bodyPr/>
           <a:lstStyle/>
           <a:p>
             <a:r>
               <a:rPr lang="en-US" dirty="0"/>
-              <a:t>**Due to prolong boarder closure, it has an impact to employment</a:t>
-            </a:r>
+              <a:t>Employment / Unemployment post the boarder open</a:t>
+            </a:r>
+          </a:p>
+          <a:p>
             <a:endParaRPr lang="en-AU" dirty="0"/>
           </a:p>
         </p:txBody>
@@ -3537,7 +3506,7 @@
     </p:spTree>
     <p:extLst>
       <p:ext uri="{BB962C8B-B14F-4D97-AF65-F5344CB8AC3E}">
-        <p14:creationId xmlns:p14="http://schemas.microsoft.com/office/powerpoint/2010/main" val="1347613156"/>
+        <p14:creationId xmlns:p14="http://schemas.microsoft.com/office/powerpoint/2010/main" val="3673393155"/>
       </p:ext>
     </p:extLst>
   </p:cSld>
@@ -3569,7 +3538,7 @@
           <p:cNvPr id="2" name="Title 1">
             <a:extLst>
               <a:ext uri="{FF2B5EF4-FFF2-40B4-BE49-F238E27FC236}">
-                <a16:creationId xmlns:a16="http://schemas.microsoft.com/office/drawing/2014/main" id="{A24800EE-88FD-1E33-FC33-1A0C102730E6}"/>
+                <a16:creationId xmlns:a16="http://schemas.microsoft.com/office/drawing/2014/main" id="{641FF69F-D9B2-0601-68FD-C6C28F35A8E5}"/>
               </a:ext>
             </a:extLst>
           </p:cNvPr>
@@ -3585,11 +3554,7 @@
           <a:bodyPr/>
           <a:lstStyle/>
           <a:p>
-            <a:r>
-              <a:rPr lang="en-US" dirty="0"/>
-              <a:t>NSW / VIC boarder open date??</a:t>
-            </a:r>
-            <a:endParaRPr lang="en-AU" dirty="0"/>
+            <a:endParaRPr lang="en-AU"/>
           </a:p>
         </p:txBody>
       </p:sp>
@@ -3598,7 +3563,7 @@
           <p:cNvPr id="3" name="Content Placeholder 2">
             <a:extLst>
               <a:ext uri="{FF2B5EF4-FFF2-40B4-BE49-F238E27FC236}">
-                <a16:creationId xmlns:a16="http://schemas.microsoft.com/office/drawing/2014/main" id="{058E70FC-85ED-CB5A-E07C-D7B5DDC58AD9}"/>
+                <a16:creationId xmlns:a16="http://schemas.microsoft.com/office/drawing/2014/main" id="{C9A4D2CA-2A66-F970-6302-9694E54FD7D8}"/>
               </a:ext>
             </a:extLst>
           </p:cNvPr>
@@ -3614,20 +3579,14 @@
           <a:bodyPr/>
           <a:lstStyle/>
           <a:p>
-            <a:r>
-              <a:rPr lang="en-US" dirty="0"/>
-              <a:t>Employment / Unemployment post the boarder open</a:t>
-            </a:r>
-          </a:p>
-          <a:p>
-            <a:endParaRPr lang="en-AU" dirty="0"/>
+            <a:endParaRPr lang="en-AU"/>
           </a:p>
         </p:txBody>
       </p:sp>
     </p:spTree>
     <p:extLst>
       <p:ext uri="{BB962C8B-B14F-4D97-AF65-F5344CB8AC3E}">
-        <p14:creationId xmlns:p14="http://schemas.microsoft.com/office/powerpoint/2010/main" val="3673393155"/>
+        <p14:creationId xmlns:p14="http://schemas.microsoft.com/office/powerpoint/2010/main" val="922974028"/>
       </p:ext>
     </p:extLst>
   </p:cSld>
@@ -3659,86 +3618,6 @@
           <p:cNvPr id="2" name="Title 1">
             <a:extLst>
               <a:ext uri="{FF2B5EF4-FFF2-40B4-BE49-F238E27FC236}">
-                <a16:creationId xmlns:a16="http://schemas.microsoft.com/office/drawing/2014/main" id="{641FF69F-D9B2-0601-68FD-C6C28F35A8E5}"/>
-              </a:ext>
-            </a:extLst>
-          </p:cNvPr>
-          <p:cNvSpPr>
-            <a:spLocks noGrp="1"/>
-          </p:cNvSpPr>
-          <p:nvPr>
-            <p:ph type="title"/>
-          </p:nvPr>
-        </p:nvSpPr>
-        <p:spPr/>
-        <p:txBody>
-          <a:bodyPr/>
-          <a:lstStyle/>
-          <a:p>
-            <a:endParaRPr lang="en-AU"/>
-          </a:p>
-        </p:txBody>
-      </p:sp>
-      <p:sp>
-        <p:nvSpPr>
-          <p:cNvPr id="3" name="Content Placeholder 2">
-            <a:extLst>
-              <a:ext uri="{FF2B5EF4-FFF2-40B4-BE49-F238E27FC236}">
-                <a16:creationId xmlns:a16="http://schemas.microsoft.com/office/drawing/2014/main" id="{C9A4D2CA-2A66-F970-6302-9694E54FD7D8}"/>
-              </a:ext>
-            </a:extLst>
-          </p:cNvPr>
-          <p:cNvSpPr>
-            <a:spLocks noGrp="1"/>
-          </p:cNvSpPr>
-          <p:nvPr>
-            <p:ph idx="1"/>
-          </p:nvPr>
-        </p:nvSpPr>
-        <p:spPr/>
-        <p:txBody>
-          <a:bodyPr/>
-          <a:lstStyle/>
-          <a:p>
-            <a:endParaRPr lang="en-AU"/>
-          </a:p>
-        </p:txBody>
-      </p:sp>
-    </p:spTree>
-    <p:extLst>
-      <p:ext uri="{BB962C8B-B14F-4D97-AF65-F5344CB8AC3E}">
-        <p14:creationId xmlns:p14="http://schemas.microsoft.com/office/powerpoint/2010/main" val="922974028"/>
-      </p:ext>
-    </p:extLst>
-  </p:cSld>
-  <p:clrMapOvr>
-    <a:masterClrMapping/>
-  </p:clrMapOvr>
-</p:sld>
-</file>
-
-<file path=ppt/slides/slide13.xml><?xml version="1.0" encoding="utf-8"?>
-<p:sld xmlns:a="http://schemas.openxmlformats.org/drawingml/2006/main" xmlns:r="http://schemas.openxmlformats.org/officeDocument/2006/relationships" xmlns:p="http://schemas.openxmlformats.org/presentationml/2006/main">
-  <p:cSld>
-    <p:spTree>
-      <p:nvGrpSpPr>
-        <p:cNvPr id="1" name=""/>
-        <p:cNvGrpSpPr/>
-        <p:nvPr/>
-      </p:nvGrpSpPr>
-      <p:grpSpPr>
-        <a:xfrm>
-          <a:off x="0" y="0"/>
-          <a:ext cx="0" cy="0"/>
-          <a:chOff x="0" y="0"/>
-          <a:chExt cx="0" cy="0"/>
-        </a:xfrm>
-      </p:grpSpPr>
-      <p:sp>
-        <p:nvSpPr>
-          <p:cNvPr id="2" name="Title 1">
-            <a:extLst>
-              <a:ext uri="{FF2B5EF4-FFF2-40B4-BE49-F238E27FC236}">
                 <a16:creationId xmlns:a16="http://schemas.microsoft.com/office/drawing/2014/main" id="{EAA63AD2-6C29-F6B2-7348-B9AC0DE7EF1B}"/>
               </a:ext>
             </a:extLst>
@@ -3797,7 +3676,7 @@
 </p:sld>
 </file>
 
-<file path=ppt/slides/slide14.xml><?xml version="1.0" encoding="utf-8"?>
+<file path=ppt/slides/slide13.xml><?xml version="1.0" encoding="utf-8"?>
 <p:sld xmlns:a="http://schemas.openxmlformats.org/drawingml/2006/main" xmlns:r="http://schemas.openxmlformats.org/officeDocument/2006/relationships" xmlns:p="http://schemas.openxmlformats.org/presentationml/2006/main">
   <p:cSld>
     <p:spTree>
@@ -4540,23 +4419,25 @@
         </p:nvSpPr>
         <p:spPr/>
         <p:txBody>
-          <a:bodyPr/>
-          <a:lstStyle/>
-          <a:p>
-            <a:r>
-              <a:rPr lang="en-US" dirty="0"/>
-              <a:t>Job Vacancy</a:t>
-            </a:r>
-            <a:endParaRPr lang="en-AU" dirty="0"/>
+          <a:bodyPr>
+            <a:normAutofit/>
+          </a:bodyPr>
+          <a:lstStyle/>
+          <a:p>
+            <a:r>
+              <a:rPr lang="en-US" sz="4000" b="1" dirty="0"/>
+              <a:t>Job Vacancies by State</a:t>
+            </a:r>
+            <a:endParaRPr lang="en-AU" sz="4000" b="1" dirty="0"/>
           </a:p>
         </p:txBody>
       </p:sp>
       <p:pic>
         <p:nvPicPr>
-          <p:cNvPr id="5" name="Picture 4">
-            <a:extLst>
-              <a:ext uri="{FF2B5EF4-FFF2-40B4-BE49-F238E27FC236}">
-                <a16:creationId xmlns:a16="http://schemas.microsoft.com/office/drawing/2014/main" id="{EBB1A310-55A3-B33D-65AD-4ACC69B68B60}"/>
+          <p:cNvPr id="4" name="Picture 3">
+            <a:extLst>
+              <a:ext uri="{FF2B5EF4-FFF2-40B4-BE49-F238E27FC236}">
+                <a16:creationId xmlns:a16="http://schemas.microsoft.com/office/drawing/2014/main" id="{C6A452C2-6575-24B7-3F18-AAD0D2974E5F}"/>
               </a:ext>
             </a:extLst>
           </p:cNvPr>
@@ -4566,67 +4447,43 @@
           <p:nvPr/>
         </p:nvPicPr>
         <p:blipFill>
-          <a:blip r:embed="rId2"/>
+          <a:blip r:embed="rId2">
+            <a:extLst>
+              <a:ext uri="{28A0092B-C50C-407E-A947-70E740481C1C}">
+                <a14:useLocalDpi xmlns:a14="http://schemas.microsoft.com/office/drawing/2010/main" val="0"/>
+              </a:ext>
+            </a:extLst>
+          </a:blip>
           <a:stretch>
             <a:fillRect/>
           </a:stretch>
         </p:blipFill>
         <p:spPr>
           <a:xfrm>
-            <a:off x="838200" y="1501888"/>
-            <a:ext cx="4725059" cy="2924583"/>
+            <a:off x="2548696" y="2393396"/>
+            <a:ext cx="6696904" cy="4464604"/>
           </a:xfrm>
           <a:prstGeom prst="rect">
             <a:avLst/>
           </a:prstGeom>
         </p:spPr>
       </p:pic>
-      <p:pic>
-        <p:nvPicPr>
-          <p:cNvPr id="7" name="Picture 6">
-            <a:extLst>
-              <a:ext uri="{FF2B5EF4-FFF2-40B4-BE49-F238E27FC236}">
-                <a16:creationId xmlns:a16="http://schemas.microsoft.com/office/drawing/2014/main" id="{A59CD591-9079-90FC-9599-033ECA6B84C9}"/>
-              </a:ext>
-            </a:extLst>
-          </p:cNvPr>
-          <p:cNvPicPr>
-            <a:picLocks noChangeAspect="1"/>
-          </p:cNvPicPr>
+      <p:sp>
+        <p:nvSpPr>
+          <p:cNvPr id="6" name="TextBox 5">
+            <a:extLst>
+              <a:ext uri="{FF2B5EF4-FFF2-40B4-BE49-F238E27FC236}">
+                <a16:creationId xmlns:a16="http://schemas.microsoft.com/office/drawing/2014/main" id="{4582FBEA-AD41-5DD8-3D79-9B83861E069E}"/>
+              </a:ext>
+            </a:extLst>
+          </p:cNvPr>
+          <p:cNvSpPr txBox="1"/>
           <p:nvPr/>
-        </p:nvPicPr>
-        <p:blipFill>
-          <a:blip r:embed="rId3"/>
-          <a:stretch>
-            <a:fillRect/>
-          </a:stretch>
-        </p:blipFill>
+        </p:nvSpPr>
         <p:spPr>
           <a:xfrm>
-            <a:off x="5457737" y="1690688"/>
-            <a:ext cx="5896063" cy="3546421"/>
-          </a:xfrm>
-          <a:prstGeom prst="rect">
-            <a:avLst/>
-          </a:prstGeom>
-        </p:spPr>
-      </p:pic>
-      <p:sp>
-        <p:nvSpPr>
-          <p:cNvPr id="8" name="TextBox 7">
-            <a:extLst>
-              <a:ext uri="{FF2B5EF4-FFF2-40B4-BE49-F238E27FC236}">
-                <a16:creationId xmlns:a16="http://schemas.microsoft.com/office/drawing/2014/main" id="{F14412AF-6C7C-3177-EBC3-CAA24FF1AECB}"/>
-              </a:ext>
-            </a:extLst>
-          </p:cNvPr>
-          <p:cNvSpPr txBox="1"/>
-          <p:nvPr/>
-        </p:nvSpPr>
-        <p:spPr>
-          <a:xfrm>
-            <a:off x="1737360" y="5196840"/>
-            <a:ext cx="3025140" cy="369332"/>
+            <a:off x="838200" y="1394555"/>
+            <a:ext cx="10515600" cy="1077218"/>
           </a:xfrm>
           <a:prstGeom prst="rect">
             <a:avLst/>
@@ -4640,10 +4497,49 @@
           <a:lstStyle/>
           <a:p>
             <a:r>
-              <a:rPr lang="en-US" dirty="0"/>
-              <a:t>Insert bar chart %</a:t>
-            </a:r>
-            <a:endParaRPr lang="en-AU" dirty="0"/>
+              <a:rPr lang="en-US" sz="1600" dirty="0"/>
+              <a:t>Data compiled by the </a:t>
+            </a:r>
+            <a:r>
+              <a:rPr lang="en-US" sz="1600" b="1" dirty="0"/>
+              <a:t>National Skills Commission </a:t>
+            </a:r>
+            <a:r>
+              <a:rPr lang="en-US" sz="1600" dirty="0"/>
+              <a:t>through job boards such as Seek, CareerOne and Australian </a:t>
+            </a:r>
+            <a:r>
+              <a:rPr lang="en-US" sz="1600" dirty="0" err="1"/>
+              <a:t>JobSearch</a:t>
+            </a:r>
+            <a:r>
+              <a:rPr lang="en-US" sz="1600" dirty="0"/>
+              <a:t> </a:t>
+            </a:r>
+            <a:r>
+              <a:rPr lang="en-US" sz="1600" i="1" dirty="0"/>
+              <a:t>(</a:t>
+            </a:r>
+            <a:r>
+              <a:rPr lang="en-US" sz="1600" i="1" dirty="0">
+                <a:hlinkClick r:id="rId3"/>
+              </a:rPr>
+              <a:t>https://labourmarketinsights.gov.au/our-research/internet-vacancy-index/#3</a:t>
+            </a:r>
+            <a:r>
+              <a:rPr lang="en-US" sz="1600" i="1" dirty="0"/>
+              <a:t>)</a:t>
+            </a:r>
+          </a:p>
+          <a:p>
+            <a:endParaRPr lang="en-US" sz="1600" i="1" dirty="0"/>
+          </a:p>
+          <a:p>
+            <a:r>
+              <a:rPr lang="en-US" sz="1600" dirty="0"/>
+              <a:t>Comparing the total vacancies between 2019 vs 2021, Western Australia had a growth of 59%.</a:t>
+            </a:r>
+            <a:endParaRPr lang="en-AU" sz="1600" dirty="0"/>
           </a:p>
         </p:txBody>
       </p:sp>
@@ -4677,45 +4573,12 @@
           <a:chExt cx="0" cy="0"/>
         </a:xfrm>
       </p:grpSpPr>
-      <p:sp>
-        <p:nvSpPr>
-          <p:cNvPr id="2" name="Title 1">
-            <a:extLst>
-              <a:ext uri="{FF2B5EF4-FFF2-40B4-BE49-F238E27FC236}">
-                <a16:creationId xmlns:a16="http://schemas.microsoft.com/office/drawing/2014/main" id="{8A37EA80-EBDD-AE44-7F09-3664383C6C8D}"/>
-              </a:ext>
-            </a:extLst>
-          </p:cNvPr>
-          <p:cNvSpPr>
-            <a:spLocks noGrp="1"/>
-          </p:cNvSpPr>
-          <p:nvPr>
-            <p:ph type="title"/>
-          </p:nvPr>
-        </p:nvSpPr>
-        <p:spPr/>
-        <p:txBody>
-          <a:bodyPr/>
-          <a:lstStyle/>
-          <a:p>
-            <a:r>
-              <a:rPr lang="en-US" dirty="0" err="1"/>
-              <a:t>Vacanies</a:t>
-            </a:r>
-            <a:r>
-              <a:rPr lang="en-US" dirty="0"/>
-              <a:t> by state (change from 2018-2021)</a:t>
-            </a:r>
-            <a:endParaRPr lang="en-AU" dirty="0"/>
-          </a:p>
-        </p:txBody>
-      </p:sp>
       <p:pic>
         <p:nvPicPr>
-          <p:cNvPr id="5" name="Picture 4">
-            <a:extLst>
-              <a:ext uri="{FF2B5EF4-FFF2-40B4-BE49-F238E27FC236}">
-                <a16:creationId xmlns:a16="http://schemas.microsoft.com/office/drawing/2014/main" id="{0C110C55-5D16-DBB8-BDCE-81587D008E68}"/>
+          <p:cNvPr id="7" name="Picture 6">
+            <a:extLst>
+              <a:ext uri="{FF2B5EF4-FFF2-40B4-BE49-F238E27FC236}">
+                <a16:creationId xmlns:a16="http://schemas.microsoft.com/office/drawing/2014/main" id="{6BCE5F0F-32FA-93EF-94D3-EA4EC4E157CB}"/>
               </a:ext>
             </a:extLst>
           </p:cNvPr>
@@ -4725,21 +4588,106 @@
           <p:nvPr/>
         </p:nvPicPr>
         <p:blipFill>
-          <a:blip r:embed="rId2"/>
+          <a:blip r:embed="rId2">
+            <a:extLst>
+              <a:ext uri="{28A0092B-C50C-407E-A947-70E740481C1C}">
+                <a14:useLocalDpi xmlns:a14="http://schemas.microsoft.com/office/drawing/2010/main" val="0"/>
+              </a:ext>
+            </a:extLst>
+          </a:blip>
           <a:stretch>
             <a:fillRect/>
           </a:stretch>
         </p:blipFill>
         <p:spPr>
           <a:xfrm>
-            <a:off x="2278708" y="1497592"/>
-            <a:ext cx="6541963" cy="4834628"/>
+            <a:off x="0" y="340180"/>
+            <a:ext cx="6609437" cy="3304719"/>
           </a:xfrm>
           <a:prstGeom prst="rect">
             <a:avLst/>
           </a:prstGeom>
         </p:spPr>
       </p:pic>
+      <p:pic>
+        <p:nvPicPr>
+          <p:cNvPr id="10" name="Picture 9">
+            <a:extLst>
+              <a:ext uri="{FF2B5EF4-FFF2-40B4-BE49-F238E27FC236}">
+                <a16:creationId xmlns:a16="http://schemas.microsoft.com/office/drawing/2014/main" id="{43DA495D-2A56-4DAA-ED0A-675734BE2664}"/>
+              </a:ext>
+            </a:extLst>
+          </p:cNvPr>
+          <p:cNvPicPr>
+            <a:picLocks noChangeAspect="1"/>
+          </p:cNvPicPr>
+          <p:nvPr/>
+        </p:nvPicPr>
+        <p:blipFill>
+          <a:blip r:embed="rId3">
+            <a:extLst>
+              <a:ext uri="{28A0092B-C50C-407E-A947-70E740481C1C}">
+                <a14:useLocalDpi xmlns:a14="http://schemas.microsoft.com/office/drawing/2010/main" val="0"/>
+              </a:ext>
+            </a:extLst>
+          </a:blip>
+          <a:stretch>
+            <a:fillRect/>
+          </a:stretch>
+        </p:blipFill>
+        <p:spPr>
+          <a:xfrm>
+            <a:off x="6833287" y="101600"/>
+            <a:ext cx="5485714" cy="3657143"/>
+          </a:xfrm>
+          <a:prstGeom prst="rect">
+            <a:avLst/>
+          </a:prstGeom>
+        </p:spPr>
+      </p:pic>
+      <p:sp>
+        <p:nvSpPr>
+          <p:cNvPr id="14" name="TextBox 13">
+            <a:extLst>
+              <a:ext uri="{FF2B5EF4-FFF2-40B4-BE49-F238E27FC236}">
+                <a16:creationId xmlns:a16="http://schemas.microsoft.com/office/drawing/2014/main" id="{6F941A53-CAEA-0363-DE61-7CEBE0E24148}"/>
+              </a:ext>
+            </a:extLst>
+          </p:cNvPr>
+          <p:cNvSpPr txBox="1"/>
+          <p:nvPr/>
+        </p:nvSpPr>
+        <p:spPr>
+          <a:xfrm>
+            <a:off x="958850" y="4363135"/>
+            <a:ext cx="6159500" cy="646331"/>
+          </a:xfrm>
+          <a:prstGeom prst="rect">
+            <a:avLst/>
+          </a:prstGeom>
+          <a:noFill/>
+        </p:spPr>
+        <p:txBody>
+          <a:bodyPr wrap="square">
+            <a:spAutoFit/>
+          </a:bodyPr>
+          <a:lstStyle/>
+          <a:p>
+            <a:r>
+              <a:rPr lang="en-US" dirty="0"/>
+              <a:t>*****Insert info for the Top &amp; bottom 5 industries – Avg </a:t>
+            </a:r>
+            <a:r>
+              <a:rPr lang="en-US" dirty="0" err="1"/>
+              <a:t>wkly</a:t>
+            </a:r>
+            <a:r>
+              <a:rPr lang="en-US" dirty="0"/>
+              <a:t> Earning</a:t>
+            </a:r>
+          </a:p>
+        </p:txBody>
+      </p:sp>
     </p:spTree>
     <p:extLst>
       <p:ext uri="{BB962C8B-B14F-4D97-AF65-F5344CB8AC3E}">
@@ -4775,7 +4723,7 @@
           <p:cNvPr id="2" name="Title 1">
             <a:extLst>
               <a:ext uri="{FF2B5EF4-FFF2-40B4-BE49-F238E27FC236}">
-                <a16:creationId xmlns:a16="http://schemas.microsoft.com/office/drawing/2014/main" id="{E12D65AF-9677-F5D3-88AA-5A0C99C93938}"/>
+                <a16:creationId xmlns:a16="http://schemas.microsoft.com/office/drawing/2014/main" id="{739BCF23-592F-1AF8-5151-B47C9886D918}"/>
               </a:ext>
             </a:extLst>
           </p:cNvPr>
@@ -4793,7 +4741,7 @@
           <a:p>
             <a:r>
               <a:rPr lang="en-US" dirty="0"/>
-              <a:t>Job vacancies changes</a:t>
+              <a:t>WA boarder policy </a:t>
             </a:r>
             <a:endParaRPr lang="en-AU" dirty="0"/>
           </a:p>
@@ -4801,10 +4749,10 @@
       </p:sp>
       <p:pic>
         <p:nvPicPr>
-          <p:cNvPr id="5" name="Picture 4">
-            <a:extLst>
-              <a:ext uri="{FF2B5EF4-FFF2-40B4-BE49-F238E27FC236}">
-                <a16:creationId xmlns:a16="http://schemas.microsoft.com/office/drawing/2014/main" id="{A8C2418C-5402-4E11-109A-1DE29D473F09}"/>
+          <p:cNvPr id="8" name="Picture 7">
+            <a:extLst>
+              <a:ext uri="{FF2B5EF4-FFF2-40B4-BE49-F238E27FC236}">
+                <a16:creationId xmlns:a16="http://schemas.microsoft.com/office/drawing/2014/main" id="{A2EF1139-C5BE-3286-C881-D5FFC1439650}"/>
               </a:ext>
             </a:extLst>
           </p:cNvPr>
@@ -4814,108 +4762,31 @@
           <p:nvPr/>
         </p:nvPicPr>
         <p:blipFill>
-          <a:blip r:embed="rId2"/>
+          <a:blip r:embed="rId2">
+            <a:extLst>
+              <a:ext uri="{28A0092B-C50C-407E-A947-70E740481C1C}">
+                <a14:useLocalDpi xmlns:a14="http://schemas.microsoft.com/office/drawing/2010/main" val="0"/>
+              </a:ext>
+            </a:extLst>
+          </a:blip>
           <a:stretch>
             <a:fillRect/>
           </a:stretch>
         </p:blipFill>
         <p:spPr>
           <a:xfrm>
-            <a:off x="1097281" y="1756995"/>
-            <a:ext cx="4228548" cy="2490788"/>
+            <a:off x="725106" y="1446235"/>
+            <a:ext cx="8773160" cy="3965529"/>
           </a:xfrm>
           <a:prstGeom prst="rect">
             <a:avLst/>
           </a:prstGeom>
         </p:spPr>
       </p:pic>
-      <p:pic>
-        <p:nvPicPr>
-          <p:cNvPr id="6" name="Picture 5">
-            <a:extLst>
-              <a:ext uri="{FF2B5EF4-FFF2-40B4-BE49-F238E27FC236}">
-                <a16:creationId xmlns:a16="http://schemas.microsoft.com/office/drawing/2014/main" id="{8FA588C7-0247-7270-58C6-BE315A9C63B9}"/>
-              </a:ext>
-            </a:extLst>
-          </p:cNvPr>
-          <p:cNvPicPr>
-            <a:picLocks noChangeAspect="1"/>
-          </p:cNvPicPr>
-          <p:nvPr/>
-        </p:nvPicPr>
-        <p:blipFill>
-          <a:blip r:embed="rId3"/>
-          <a:stretch>
-            <a:fillRect/>
-          </a:stretch>
-        </p:blipFill>
-        <p:spPr>
-          <a:xfrm>
-            <a:off x="5867400" y="1442292"/>
-            <a:ext cx="4541520" cy="3120193"/>
-          </a:xfrm>
-          <a:prstGeom prst="rect">
-            <a:avLst/>
-          </a:prstGeom>
-        </p:spPr>
-      </p:pic>
-      <p:sp>
-        <p:nvSpPr>
-          <p:cNvPr id="7" name="TextBox 6">
-            <a:extLst>
-              <a:ext uri="{FF2B5EF4-FFF2-40B4-BE49-F238E27FC236}">
-                <a16:creationId xmlns:a16="http://schemas.microsoft.com/office/drawing/2014/main" id="{F0B78CA6-894D-72FC-4B5A-466874ECCC35}"/>
-              </a:ext>
-            </a:extLst>
-          </p:cNvPr>
-          <p:cNvSpPr txBox="1"/>
-          <p:nvPr/>
-        </p:nvSpPr>
-        <p:spPr>
-          <a:xfrm>
-            <a:off x="1485900" y="4572000"/>
-            <a:ext cx="6217920" cy="1200329"/>
-          </a:xfrm>
-          <a:prstGeom prst="rect">
-            <a:avLst/>
-          </a:prstGeom>
-          <a:noFill/>
-        </p:spPr>
-        <p:txBody>
-          <a:bodyPr wrap="square" rtlCol="0">
-            <a:spAutoFit/>
-          </a:bodyPr>
-          <a:lstStyle/>
-          <a:p>
-            <a:r>
-              <a:rPr lang="en-US" dirty="0"/>
-              <a:t>*****Insert info for the Top &amp; bottom 5 industries – Avg </a:t>
-            </a:r>
-            <a:r>
-              <a:rPr lang="en-US" dirty="0" err="1"/>
-              <a:t>wkly</a:t>
-            </a:r>
-            <a:r>
-              <a:rPr lang="en-US" dirty="0"/>
-              <a:t> Earning</a:t>
-            </a:r>
-          </a:p>
-          <a:p>
-            <a:endParaRPr lang="en-US" dirty="0"/>
-          </a:p>
-          <a:p>
-            <a:r>
-              <a:rPr lang="en-US" dirty="0"/>
-              <a:t>Add % chart</a:t>
-            </a:r>
-            <a:endParaRPr lang="en-AU" dirty="0"/>
-          </a:p>
-        </p:txBody>
-      </p:sp>
     </p:spTree>
     <p:extLst>
       <p:ext uri="{BB962C8B-B14F-4D97-AF65-F5344CB8AC3E}">
-        <p14:creationId xmlns:p14="http://schemas.microsoft.com/office/powerpoint/2010/main" val="609340731"/>
+        <p14:creationId xmlns:p14="http://schemas.microsoft.com/office/powerpoint/2010/main" val="1347613156"/>
       </p:ext>
     </p:extLst>
   </p:cSld>

--- a/Presentation_ppt.pptx
+++ b/Presentation_ppt.pptx
@@ -6,19 +6,21 @@
   </p:sldMasterIdLst>
   <p:sldIdLst>
     <p:sldId id="256" r:id="rId2"/>
-    <p:sldId id="257" r:id="rId3"/>
-    <p:sldId id="258" r:id="rId4"/>
-    <p:sldId id="259" r:id="rId5"/>
-    <p:sldId id="260" r:id="rId6"/>
-    <p:sldId id="261" r:id="rId7"/>
-    <p:sldId id="262" r:id="rId8"/>
-    <p:sldId id="263" r:id="rId9"/>
-    <p:sldId id="264" r:id="rId10"/>
-    <p:sldId id="265" r:id="rId11"/>
-    <p:sldId id="266" r:id="rId12"/>
-    <p:sldId id="267" r:id="rId13"/>
-    <p:sldId id="268" r:id="rId14"/>
-    <p:sldId id="269" r:id="rId15"/>
+    <p:sldId id="276" r:id="rId3"/>
+    <p:sldId id="257" r:id="rId4"/>
+    <p:sldId id="270" r:id="rId5"/>
+    <p:sldId id="258" r:id="rId6"/>
+    <p:sldId id="267" r:id="rId7"/>
+    <p:sldId id="259" r:id="rId8"/>
+    <p:sldId id="260" r:id="rId9"/>
+    <p:sldId id="261" r:id="rId10"/>
+    <p:sldId id="272" r:id="rId11"/>
+    <p:sldId id="273" r:id="rId12"/>
+    <p:sldId id="274" r:id="rId13"/>
+    <p:sldId id="266" r:id="rId14"/>
+    <p:sldId id="268" r:id="rId15"/>
+    <p:sldId id="269" r:id="rId16"/>
+    <p:sldId id="275" r:id="rId17"/>
   </p:sldIdLst>
   <p:sldSz cx="12192000" cy="6858000"/>
   <p:notesSz cx="6858000" cy="9144000"/>
@@ -117,6 +119,11 @@
       </a:defRPr>
     </a:lvl9pPr>
   </p:defaultTextStyle>
+  <p:extLst>
+    <p:ext uri="{EFAFB233-063F-42B5-8137-9DF3F51BA10A}">
+      <p15:sldGuideLst xmlns:p15="http://schemas.microsoft.com/office/powerpoint/2012/main"/>
+    </p:ext>
+  </p:extLst>
 </p:presentation>
 </file>
 
@@ -269,7 +276,7 @@
           <a:p>
             <a:fld id="{F29CD701-754A-4611-A3D8-0FABDD845294}" type="datetimeFigureOut">
               <a:rPr lang="en-AU" smtClean="0"/>
-              <a:t>02/05/22</a:t>
+              <a:t>03/05/22</a:t>
             </a:fld>
             <a:endParaRPr lang="en-AU"/>
           </a:p>
@@ -469,7 +476,7 @@
           <a:p>
             <a:fld id="{F29CD701-754A-4611-A3D8-0FABDD845294}" type="datetimeFigureOut">
               <a:rPr lang="en-AU" smtClean="0"/>
-              <a:t>02/05/22</a:t>
+              <a:t>03/05/22</a:t>
             </a:fld>
             <a:endParaRPr lang="en-AU"/>
           </a:p>
@@ -679,7 +686,7 @@
           <a:p>
             <a:fld id="{F29CD701-754A-4611-A3D8-0FABDD845294}" type="datetimeFigureOut">
               <a:rPr lang="en-AU" smtClean="0"/>
-              <a:t>02/05/22</a:t>
+              <a:t>03/05/22</a:t>
             </a:fld>
             <a:endParaRPr lang="en-AU"/>
           </a:p>
@@ -879,7 +886,7 @@
           <a:p>
             <a:fld id="{F29CD701-754A-4611-A3D8-0FABDD845294}" type="datetimeFigureOut">
               <a:rPr lang="en-AU" smtClean="0"/>
-              <a:t>02/05/22</a:t>
+              <a:t>03/05/22</a:t>
             </a:fld>
             <a:endParaRPr lang="en-AU"/>
           </a:p>
@@ -1155,7 +1162,7 @@
           <a:p>
             <a:fld id="{F29CD701-754A-4611-A3D8-0FABDD845294}" type="datetimeFigureOut">
               <a:rPr lang="en-AU" smtClean="0"/>
-              <a:t>02/05/22</a:t>
+              <a:t>03/05/22</a:t>
             </a:fld>
             <a:endParaRPr lang="en-AU"/>
           </a:p>
@@ -1423,7 +1430,7 @@
           <a:p>
             <a:fld id="{F29CD701-754A-4611-A3D8-0FABDD845294}" type="datetimeFigureOut">
               <a:rPr lang="en-AU" smtClean="0"/>
-              <a:t>02/05/22</a:t>
+              <a:t>03/05/22</a:t>
             </a:fld>
             <a:endParaRPr lang="en-AU"/>
           </a:p>
@@ -1838,7 +1845,7 @@
           <a:p>
             <a:fld id="{F29CD701-754A-4611-A3D8-0FABDD845294}" type="datetimeFigureOut">
               <a:rPr lang="en-AU" smtClean="0"/>
-              <a:t>02/05/22</a:t>
+              <a:t>03/05/22</a:t>
             </a:fld>
             <a:endParaRPr lang="en-AU"/>
           </a:p>
@@ -1980,7 +1987,7 @@
           <a:p>
             <a:fld id="{F29CD701-754A-4611-A3D8-0FABDD845294}" type="datetimeFigureOut">
               <a:rPr lang="en-AU" smtClean="0"/>
-              <a:t>02/05/22</a:t>
+              <a:t>03/05/22</a:t>
             </a:fld>
             <a:endParaRPr lang="en-AU"/>
           </a:p>
@@ -2093,7 +2100,7 @@
           <a:p>
             <a:fld id="{F29CD701-754A-4611-A3D8-0FABDD845294}" type="datetimeFigureOut">
               <a:rPr lang="en-AU" smtClean="0"/>
-              <a:t>02/05/22</a:t>
+              <a:t>03/05/22</a:t>
             </a:fld>
             <a:endParaRPr lang="en-AU"/>
           </a:p>
@@ -2406,7 +2413,7 @@
           <a:p>
             <a:fld id="{F29CD701-754A-4611-A3D8-0FABDD845294}" type="datetimeFigureOut">
               <a:rPr lang="en-AU" smtClean="0"/>
-              <a:t>02/05/22</a:t>
+              <a:t>03/05/22</a:t>
             </a:fld>
             <a:endParaRPr lang="en-AU"/>
           </a:p>
@@ -2695,7 +2702,7 @@
           <a:p>
             <a:fld id="{F29CD701-754A-4611-A3D8-0FABDD845294}" type="datetimeFigureOut">
               <a:rPr lang="en-AU" smtClean="0"/>
-              <a:t>02/05/22</a:t>
+              <a:t>03/05/22</a:t>
             </a:fld>
             <a:endParaRPr lang="en-AU"/>
           </a:p>
@@ -2938,7 +2945,7 @@
           <a:p>
             <a:fld id="{F29CD701-754A-4611-A3D8-0FABDD845294}" type="datetimeFigureOut">
               <a:rPr lang="en-AU" smtClean="0"/>
-              <a:t>02/05/22</a:t>
+              <a:t>03/05/22</a:t>
             </a:fld>
             <a:endParaRPr lang="en-AU"/>
           </a:p>
@@ -3357,31 +3364,6 @@
       </p:grpSpPr>
       <p:sp>
         <p:nvSpPr>
-          <p:cNvPr id="2" name="Title 1">
-            <a:extLst>
-              <a:ext uri="{FF2B5EF4-FFF2-40B4-BE49-F238E27FC236}">
-                <a16:creationId xmlns:a16="http://schemas.microsoft.com/office/drawing/2014/main" id="{EA61061B-BEBC-0375-2E4A-0FC4ECB98EF1}"/>
-              </a:ext>
-            </a:extLst>
-          </p:cNvPr>
-          <p:cNvSpPr>
-            <a:spLocks noGrp="1"/>
-          </p:cNvSpPr>
-          <p:nvPr>
-            <p:ph type="ctrTitle"/>
-          </p:nvPr>
-        </p:nvSpPr>
-        <p:spPr/>
-        <p:txBody>
-          <a:bodyPr/>
-          <a:lstStyle/>
-          <a:p>
-            <a:endParaRPr lang="en-AU"/>
-          </a:p>
-        </p:txBody>
-      </p:sp>
-      <p:sp>
-        <p:nvSpPr>
           <p:cNvPr id="3" name="Subtitle 2">
             <a:extLst>
               <a:ext uri="{FF2B5EF4-FFF2-40B4-BE49-F238E27FC236}">
@@ -3396,7 +3378,12 @@
             <p:ph type="subTitle" idx="1"/>
           </p:nvPr>
         </p:nvSpPr>
-        <p:spPr/>
+        <p:spPr>
+          <a:xfrm>
+            <a:off x="1625600" y="3429000"/>
+            <a:ext cx="9144000" cy="1655762"/>
+          </a:xfrm>
+        </p:spPr>
         <p:txBody>
           <a:bodyPr/>
           <a:lstStyle/>
@@ -3406,6 +3393,64 @@
               <a:t>Impact of COVIID on Australian Employment</a:t>
             </a:r>
             <a:endParaRPr lang="en-AU" dirty="0"/>
+          </a:p>
+        </p:txBody>
+      </p:sp>
+      <p:sp>
+        <p:nvSpPr>
+          <p:cNvPr id="4" name="TextBox 3">
+            <a:extLst>
+              <a:ext uri="{FF2B5EF4-FFF2-40B4-BE49-F238E27FC236}">
+                <a16:creationId xmlns:a16="http://schemas.microsoft.com/office/drawing/2014/main" id="{A5A6352B-F129-A053-25C1-DF3E9FDE3EC7}"/>
+              </a:ext>
+            </a:extLst>
+          </p:cNvPr>
+          <p:cNvSpPr txBox="1"/>
+          <p:nvPr/>
+        </p:nvSpPr>
+        <p:spPr>
+          <a:xfrm>
+            <a:off x="965200" y="1778595"/>
+            <a:ext cx="10464800" cy="1477328"/>
+          </a:xfrm>
+          <a:prstGeom prst="rect">
+            <a:avLst/>
+          </a:prstGeom>
+          <a:noFill/>
+        </p:spPr>
+        <p:txBody>
+          <a:bodyPr wrap="square" rtlCol="0">
+            <a:spAutoFit/>
+          </a:bodyPr>
+          <a:lstStyle/>
+          <a:p>
+            <a:pPr algn="ctr"/>
+            <a:r>
+              <a:rPr lang="en-AU" dirty="0"/>
+              <a:t>When COVID / lockdown happen, have you had any thought of changing your career ?</a:t>
+            </a:r>
+          </a:p>
+          <a:p>
+            <a:pPr algn="ctr"/>
+            <a:endParaRPr lang="en-AU" dirty="0"/>
+          </a:p>
+          <a:p>
+            <a:pPr algn="ctr"/>
+            <a:r>
+              <a:rPr lang="en-AU" dirty="0"/>
+              <a:t>Are you planning to move in the next six months?</a:t>
+            </a:r>
+          </a:p>
+          <a:p>
+            <a:pPr algn="ctr"/>
+            <a:endParaRPr lang="en-AU" dirty="0"/>
+          </a:p>
+          <a:p>
+            <a:pPr algn="ctr"/>
+            <a:r>
+              <a:rPr lang="en-AU" dirty="0"/>
+              <a:t>Answer: 6 in 10 people in Australian are planning to…..  (insert link, quote the source)</a:t>
+            </a:r>
           </a:p>
         </p:txBody>
       </p:sp>
@@ -3444,7 +3489,7 @@
           <p:cNvPr id="2" name="Title 1">
             <a:extLst>
               <a:ext uri="{FF2B5EF4-FFF2-40B4-BE49-F238E27FC236}">
-                <a16:creationId xmlns:a16="http://schemas.microsoft.com/office/drawing/2014/main" id="{739BCF23-592F-1AF8-5151-B47C9886D918}"/>
+                <a16:creationId xmlns:a16="http://schemas.microsoft.com/office/drawing/2014/main" id="{63DAEC9D-DDC5-1D93-CB4F-FE2D1C9BECAA}"/>
               </a:ext>
             </a:extLst>
           </p:cNvPr>
@@ -3457,23 +3502,25 @@
         </p:nvSpPr>
         <p:spPr/>
         <p:txBody>
-          <a:bodyPr/>
-          <a:lstStyle/>
-          <a:p>
-            <a:r>
-              <a:rPr lang="en-US" dirty="0"/>
-              <a:t>WA boarder policy </a:t>
-            </a:r>
-            <a:endParaRPr lang="en-AU" dirty="0"/>
+          <a:bodyPr>
+            <a:normAutofit/>
+          </a:bodyPr>
+          <a:lstStyle/>
+          <a:p>
+            <a:r>
+              <a:rPr lang="en-US" sz="4000" b="1" dirty="0"/>
+              <a:t>Job Vacancies by State</a:t>
+            </a:r>
+            <a:endParaRPr lang="en-AU" sz="4000" b="1" dirty="0"/>
           </a:p>
         </p:txBody>
       </p:sp>
       <p:pic>
         <p:nvPicPr>
-          <p:cNvPr id="5" name="Picture 4">
-            <a:extLst>
-              <a:ext uri="{FF2B5EF4-FFF2-40B4-BE49-F238E27FC236}">
-                <a16:creationId xmlns:a16="http://schemas.microsoft.com/office/drawing/2014/main" id="{14F11AF9-FC78-BE93-119D-402BDA112621}"/>
+          <p:cNvPr id="4" name="Picture 3">
+            <a:extLst>
+              <a:ext uri="{FF2B5EF4-FFF2-40B4-BE49-F238E27FC236}">
+                <a16:creationId xmlns:a16="http://schemas.microsoft.com/office/drawing/2014/main" id="{C6A452C2-6575-24B7-3F18-AAD0D2974E5F}"/>
               </a:ext>
             </a:extLst>
           </p:cNvPr>
@@ -3483,15 +3530,21 @@
           <p:nvPr/>
         </p:nvPicPr>
         <p:blipFill>
-          <a:blip r:embed="rId2"/>
+          <a:blip r:embed="rId2">
+            <a:extLst>
+              <a:ext uri="{28A0092B-C50C-407E-A947-70E740481C1C}">
+                <a14:useLocalDpi xmlns:a14="http://schemas.microsoft.com/office/drawing/2010/main" val="0"/>
+              </a:ext>
+            </a:extLst>
+          </a:blip>
           <a:stretch>
             <a:fillRect/>
           </a:stretch>
         </p:blipFill>
         <p:spPr>
           <a:xfrm>
-            <a:off x="648854" y="1942441"/>
-            <a:ext cx="6586312" cy="2653077"/>
+            <a:off x="2548696" y="2393396"/>
+            <a:ext cx="6696904" cy="4464604"/>
           </a:xfrm>
           <a:prstGeom prst="rect">
             <a:avLst/>
@@ -3503,7 +3556,7 @@
           <p:cNvPr id="6" name="TextBox 5">
             <a:extLst>
               <a:ext uri="{FF2B5EF4-FFF2-40B4-BE49-F238E27FC236}">
-                <a16:creationId xmlns:a16="http://schemas.microsoft.com/office/drawing/2014/main" id="{1EC5DC2B-3E95-C99D-B9A6-0ECE057FC459}"/>
+                <a16:creationId xmlns:a16="http://schemas.microsoft.com/office/drawing/2014/main" id="{4582FBEA-AD41-5DD8-3D79-9B83861E069E}"/>
               </a:ext>
             </a:extLst>
           </p:cNvPr>
@@ -3512,8 +3565,8 @@
         </p:nvSpPr>
         <p:spPr>
           <a:xfrm>
-            <a:off x="7322820" y="2019300"/>
-            <a:ext cx="4358640" cy="646331"/>
+            <a:off x="838200" y="1394555"/>
+            <a:ext cx="10515600" cy="1077218"/>
           </a:xfrm>
           <a:prstGeom prst="rect">
             <a:avLst/>
@@ -3527,17 +3580,56 @@
           <a:lstStyle/>
           <a:p>
             <a:r>
-              <a:rPr lang="en-US" dirty="0"/>
-              <a:t>**Due to prolong boarder closure, it has an impact to employment</a:t>
-            </a:r>
-            <a:endParaRPr lang="en-AU" dirty="0"/>
+              <a:rPr lang="en-US" sz="1600" dirty="0"/>
+              <a:t>Data compiled by the </a:t>
+            </a:r>
+            <a:r>
+              <a:rPr lang="en-US" sz="1600" b="1" dirty="0"/>
+              <a:t>National Skills Commission </a:t>
+            </a:r>
+            <a:r>
+              <a:rPr lang="en-US" sz="1600" dirty="0"/>
+              <a:t>through job boards such as Seek, CareerOne and Australian </a:t>
+            </a:r>
+            <a:r>
+              <a:rPr lang="en-US" sz="1600" dirty="0" err="1"/>
+              <a:t>JobSearch</a:t>
+            </a:r>
+            <a:r>
+              <a:rPr lang="en-US" sz="1600" dirty="0"/>
+              <a:t> </a:t>
+            </a:r>
+            <a:r>
+              <a:rPr lang="en-US" sz="1600" i="1" dirty="0"/>
+              <a:t>(</a:t>
+            </a:r>
+            <a:r>
+              <a:rPr lang="en-US" sz="1600" i="1" dirty="0">
+                <a:hlinkClick r:id="rId3"/>
+              </a:rPr>
+              <a:t>https://labourmarketinsights.gov.au/our-research/internet-vacancy-index/#3</a:t>
+            </a:r>
+            <a:r>
+              <a:rPr lang="en-US" sz="1600" i="1" dirty="0"/>
+              <a:t>)</a:t>
+            </a:r>
+          </a:p>
+          <a:p>
+            <a:endParaRPr lang="en-US" sz="1600" i="1" dirty="0"/>
+          </a:p>
+          <a:p>
+            <a:r>
+              <a:rPr lang="en-US" sz="1600" dirty="0"/>
+              <a:t>Comparing the total vacancies between 2019 vs 2021, Western Australia had a growth of 59%.</a:t>
+            </a:r>
+            <a:endParaRPr lang="en-AU" sz="1600" dirty="0"/>
           </a:p>
         </p:txBody>
       </p:sp>
     </p:spTree>
     <p:extLst>
       <p:ext uri="{BB962C8B-B14F-4D97-AF65-F5344CB8AC3E}">
-        <p14:creationId xmlns:p14="http://schemas.microsoft.com/office/powerpoint/2010/main" val="1347613156"/>
+        <p14:creationId xmlns:p14="http://schemas.microsoft.com/office/powerpoint/2010/main" val="2041137434"/>
       </p:ext>
     </p:extLst>
   </p:cSld>
@@ -3564,70 +3656,125 @@
           <a:chExt cx="0" cy="0"/>
         </a:xfrm>
       </p:grpSpPr>
-      <p:sp>
-        <p:nvSpPr>
-          <p:cNvPr id="2" name="Title 1">
-            <a:extLst>
-              <a:ext uri="{FF2B5EF4-FFF2-40B4-BE49-F238E27FC236}">
-                <a16:creationId xmlns:a16="http://schemas.microsoft.com/office/drawing/2014/main" id="{A24800EE-88FD-1E33-FC33-1A0C102730E6}"/>
-              </a:ext>
-            </a:extLst>
-          </p:cNvPr>
-          <p:cNvSpPr>
-            <a:spLocks noGrp="1"/>
-          </p:cNvSpPr>
-          <p:nvPr>
-            <p:ph type="title"/>
-          </p:nvPr>
-        </p:nvSpPr>
-        <p:spPr/>
-        <p:txBody>
-          <a:bodyPr/>
+      <p:pic>
+        <p:nvPicPr>
+          <p:cNvPr id="7" name="Picture 6">
+            <a:extLst>
+              <a:ext uri="{FF2B5EF4-FFF2-40B4-BE49-F238E27FC236}">
+                <a16:creationId xmlns:a16="http://schemas.microsoft.com/office/drawing/2014/main" id="{6BCE5F0F-32FA-93EF-94D3-EA4EC4E157CB}"/>
+              </a:ext>
+            </a:extLst>
+          </p:cNvPr>
+          <p:cNvPicPr>
+            <a:picLocks noChangeAspect="1"/>
+          </p:cNvPicPr>
+          <p:nvPr/>
+        </p:nvPicPr>
+        <p:blipFill>
+          <a:blip r:embed="rId2">
+            <a:extLst>
+              <a:ext uri="{28A0092B-C50C-407E-A947-70E740481C1C}">
+                <a14:useLocalDpi xmlns:a14="http://schemas.microsoft.com/office/drawing/2010/main" val="0"/>
+              </a:ext>
+            </a:extLst>
+          </a:blip>
+          <a:stretch>
+            <a:fillRect/>
+          </a:stretch>
+        </p:blipFill>
+        <p:spPr>
+          <a:xfrm>
+            <a:off x="118533" y="390980"/>
+            <a:ext cx="6609437" cy="3304719"/>
+          </a:xfrm>
+          <a:prstGeom prst="rect">
+            <a:avLst/>
+          </a:prstGeom>
+        </p:spPr>
+      </p:pic>
+      <p:pic>
+        <p:nvPicPr>
+          <p:cNvPr id="10" name="Picture 9">
+            <a:extLst>
+              <a:ext uri="{FF2B5EF4-FFF2-40B4-BE49-F238E27FC236}">
+                <a16:creationId xmlns:a16="http://schemas.microsoft.com/office/drawing/2014/main" id="{43DA495D-2A56-4DAA-ED0A-675734BE2664}"/>
+              </a:ext>
+            </a:extLst>
+          </p:cNvPr>
+          <p:cNvPicPr>
+            <a:picLocks noChangeAspect="1"/>
+          </p:cNvPicPr>
+          <p:nvPr/>
+        </p:nvPicPr>
+        <p:blipFill>
+          <a:blip r:embed="rId3">
+            <a:extLst>
+              <a:ext uri="{28A0092B-C50C-407E-A947-70E740481C1C}">
+                <a14:useLocalDpi xmlns:a14="http://schemas.microsoft.com/office/drawing/2010/main" val="0"/>
+              </a:ext>
+            </a:extLst>
+          </a:blip>
+          <a:stretch>
+            <a:fillRect/>
+          </a:stretch>
+        </p:blipFill>
+        <p:spPr>
+          <a:xfrm>
+            <a:off x="6833287" y="101600"/>
+            <a:ext cx="5485714" cy="3657143"/>
+          </a:xfrm>
+          <a:prstGeom prst="rect">
+            <a:avLst/>
+          </a:prstGeom>
+        </p:spPr>
+      </p:pic>
+      <p:sp>
+        <p:nvSpPr>
+          <p:cNvPr id="14" name="TextBox 13">
+            <a:extLst>
+              <a:ext uri="{FF2B5EF4-FFF2-40B4-BE49-F238E27FC236}">
+                <a16:creationId xmlns:a16="http://schemas.microsoft.com/office/drawing/2014/main" id="{6F941A53-CAEA-0363-DE61-7CEBE0E24148}"/>
+              </a:ext>
+            </a:extLst>
+          </p:cNvPr>
+          <p:cNvSpPr txBox="1"/>
+          <p:nvPr/>
+        </p:nvSpPr>
+        <p:spPr>
+          <a:xfrm>
+            <a:off x="958850" y="4363135"/>
+            <a:ext cx="6159500" cy="646331"/>
+          </a:xfrm>
+          <a:prstGeom prst="rect">
+            <a:avLst/>
+          </a:prstGeom>
+          <a:noFill/>
+        </p:spPr>
+        <p:txBody>
+          <a:bodyPr wrap="square">
+            <a:spAutoFit/>
+          </a:bodyPr>
           <a:lstStyle/>
           <a:p>
             <a:r>
               <a:rPr lang="en-US" dirty="0"/>
-              <a:t>NSW / VIC boarder open date??</a:t>
-            </a:r>
-            <a:endParaRPr lang="en-AU" dirty="0"/>
-          </a:p>
-        </p:txBody>
-      </p:sp>
-      <p:sp>
-        <p:nvSpPr>
-          <p:cNvPr id="3" name="Content Placeholder 2">
-            <a:extLst>
-              <a:ext uri="{FF2B5EF4-FFF2-40B4-BE49-F238E27FC236}">
-                <a16:creationId xmlns:a16="http://schemas.microsoft.com/office/drawing/2014/main" id="{058E70FC-85ED-CB5A-E07C-D7B5DDC58AD9}"/>
-              </a:ext>
-            </a:extLst>
-          </p:cNvPr>
-          <p:cNvSpPr>
-            <a:spLocks noGrp="1"/>
-          </p:cNvSpPr>
-          <p:nvPr>
-            <p:ph idx="1"/>
-          </p:nvPr>
-        </p:nvSpPr>
-        <p:spPr/>
-        <p:txBody>
-          <a:bodyPr/>
-          <a:lstStyle/>
-          <a:p>
+              <a:t>*****Insert info for the Top &amp; bottom 5 industries – Avg </a:t>
+            </a:r>
+            <a:r>
+              <a:rPr lang="en-US" dirty="0" err="1"/>
+              <a:t>wkly</a:t>
+            </a:r>
             <a:r>
               <a:rPr lang="en-US" dirty="0"/>
-              <a:t>Employment / Unemployment post the boarder open</a:t>
-            </a:r>
-          </a:p>
-          <a:p>
-            <a:endParaRPr lang="en-AU" dirty="0"/>
+              <a:t> Earning</a:t>
+            </a:r>
           </a:p>
         </p:txBody>
       </p:sp>
     </p:spTree>
     <p:extLst>
       <p:ext uri="{BB962C8B-B14F-4D97-AF65-F5344CB8AC3E}">
-        <p14:creationId xmlns:p14="http://schemas.microsoft.com/office/powerpoint/2010/main" val="3673393155"/>
+        <p14:creationId xmlns:p14="http://schemas.microsoft.com/office/powerpoint/2010/main" val="2951645894"/>
       </p:ext>
     </p:extLst>
   </p:cSld>
@@ -3659,7 +3806,7 @@
           <p:cNvPr id="2" name="Title 1">
             <a:extLst>
               <a:ext uri="{FF2B5EF4-FFF2-40B4-BE49-F238E27FC236}">
-                <a16:creationId xmlns:a16="http://schemas.microsoft.com/office/drawing/2014/main" id="{641FF69F-D9B2-0601-68FD-C6C28F35A8E5}"/>
+                <a16:creationId xmlns:a16="http://schemas.microsoft.com/office/drawing/2014/main" id="{739BCF23-592F-1AF8-5151-B47C9886D918}"/>
               </a:ext>
             </a:extLst>
           </p:cNvPr>
@@ -3675,39 +3822,54 @@
           <a:bodyPr/>
           <a:lstStyle/>
           <a:p>
-            <a:endParaRPr lang="en-AU"/>
-          </a:p>
-        </p:txBody>
-      </p:sp>
-      <p:sp>
-        <p:nvSpPr>
-          <p:cNvPr id="3" name="Content Placeholder 2">
-            <a:extLst>
-              <a:ext uri="{FF2B5EF4-FFF2-40B4-BE49-F238E27FC236}">
-                <a16:creationId xmlns:a16="http://schemas.microsoft.com/office/drawing/2014/main" id="{C9A4D2CA-2A66-F970-6302-9694E54FD7D8}"/>
-              </a:ext>
-            </a:extLst>
-          </p:cNvPr>
-          <p:cNvSpPr>
-            <a:spLocks noGrp="1"/>
-          </p:cNvSpPr>
-          <p:nvPr>
-            <p:ph idx="1"/>
-          </p:nvPr>
-        </p:nvSpPr>
-        <p:spPr/>
-        <p:txBody>
-          <a:bodyPr/>
-          <a:lstStyle/>
-          <a:p>
-            <a:endParaRPr lang="en-AU"/>
-          </a:p>
-        </p:txBody>
-      </p:sp>
+            <a:r>
+              <a:rPr lang="en-US" dirty="0"/>
+              <a:t>WA boarder policy </a:t>
+            </a:r>
+            <a:endParaRPr lang="en-AU" dirty="0"/>
+          </a:p>
+        </p:txBody>
+      </p:sp>
+      <p:pic>
+        <p:nvPicPr>
+          <p:cNvPr id="8" name="Picture 7">
+            <a:extLst>
+              <a:ext uri="{FF2B5EF4-FFF2-40B4-BE49-F238E27FC236}">
+                <a16:creationId xmlns:a16="http://schemas.microsoft.com/office/drawing/2014/main" id="{A2EF1139-C5BE-3286-C881-D5FFC1439650}"/>
+              </a:ext>
+            </a:extLst>
+          </p:cNvPr>
+          <p:cNvPicPr>
+            <a:picLocks noChangeAspect="1"/>
+          </p:cNvPicPr>
+          <p:nvPr/>
+        </p:nvPicPr>
+        <p:blipFill>
+          <a:blip r:embed="rId2">
+            <a:extLst>
+              <a:ext uri="{28A0092B-C50C-407E-A947-70E740481C1C}">
+                <a14:useLocalDpi xmlns:a14="http://schemas.microsoft.com/office/drawing/2010/main" val="0"/>
+              </a:ext>
+            </a:extLst>
+          </a:blip>
+          <a:stretch>
+            <a:fillRect/>
+          </a:stretch>
+        </p:blipFill>
+        <p:spPr>
+          <a:xfrm>
+            <a:off x="725106" y="1446235"/>
+            <a:ext cx="8773160" cy="3965529"/>
+          </a:xfrm>
+          <a:prstGeom prst="rect">
+            <a:avLst/>
+          </a:prstGeom>
+        </p:spPr>
+      </p:pic>
     </p:spTree>
     <p:extLst>
       <p:ext uri="{BB962C8B-B14F-4D97-AF65-F5344CB8AC3E}">
-        <p14:creationId xmlns:p14="http://schemas.microsoft.com/office/powerpoint/2010/main" val="922974028"/>
+        <p14:creationId xmlns:p14="http://schemas.microsoft.com/office/powerpoint/2010/main" val="239967289"/>
       </p:ext>
     </p:extLst>
   </p:cSld>
@@ -3739,7 +3901,7 @@
           <p:cNvPr id="2" name="Title 1">
             <a:extLst>
               <a:ext uri="{FF2B5EF4-FFF2-40B4-BE49-F238E27FC236}">
-                <a16:creationId xmlns:a16="http://schemas.microsoft.com/office/drawing/2014/main" id="{EAA63AD2-6C29-F6B2-7348-B9AC0DE7EF1B}"/>
+                <a16:creationId xmlns:a16="http://schemas.microsoft.com/office/drawing/2014/main" id="{A24800EE-88FD-1E33-FC33-1A0C102730E6}"/>
               </a:ext>
             </a:extLst>
           </p:cNvPr>
@@ -3755,7 +3917,11 @@
           <a:bodyPr/>
           <a:lstStyle/>
           <a:p>
-            <a:endParaRPr lang="en-AU"/>
+            <a:r>
+              <a:rPr lang="en-US" dirty="0"/>
+              <a:t>NSW / VIC boarder open date??</a:t>
+            </a:r>
+            <a:endParaRPr lang="en-AU" dirty="0"/>
           </a:p>
         </p:txBody>
       </p:sp>
@@ -3764,7 +3930,7 @@
           <p:cNvPr id="3" name="Content Placeholder 2">
             <a:extLst>
               <a:ext uri="{FF2B5EF4-FFF2-40B4-BE49-F238E27FC236}">
-                <a16:creationId xmlns:a16="http://schemas.microsoft.com/office/drawing/2014/main" id="{184EF83C-390A-33DA-3643-82B27B614CD8}"/>
+                <a16:creationId xmlns:a16="http://schemas.microsoft.com/office/drawing/2014/main" id="{058E70FC-85ED-CB5A-E07C-D7B5DDC58AD9}"/>
               </a:ext>
             </a:extLst>
           </p:cNvPr>
@@ -3780,14 +3946,20 @@
           <a:bodyPr/>
           <a:lstStyle/>
           <a:p>
-            <a:endParaRPr lang="en-AU"/>
+            <a:r>
+              <a:rPr lang="en-US" dirty="0"/>
+              <a:t>Employment / Unemployment post the boarder open</a:t>
+            </a:r>
+          </a:p>
+          <a:p>
+            <a:endParaRPr lang="en-AU" dirty="0"/>
           </a:p>
         </p:txBody>
       </p:sp>
     </p:spTree>
     <p:extLst>
       <p:ext uri="{BB962C8B-B14F-4D97-AF65-F5344CB8AC3E}">
-        <p14:creationId xmlns:p14="http://schemas.microsoft.com/office/powerpoint/2010/main" val="1052448718"/>
+        <p14:creationId xmlns:p14="http://schemas.microsoft.com/office/powerpoint/2010/main" val="3673393155"/>
       </p:ext>
     </p:extLst>
   </p:cSld>
@@ -3819,6 +3991,94 @@
           <p:cNvPr id="2" name="Title 1">
             <a:extLst>
               <a:ext uri="{FF2B5EF4-FFF2-40B4-BE49-F238E27FC236}">
+                <a16:creationId xmlns:a16="http://schemas.microsoft.com/office/drawing/2014/main" id="{EAA63AD2-6C29-F6B2-7348-B9AC0DE7EF1B}"/>
+              </a:ext>
+            </a:extLst>
+          </p:cNvPr>
+          <p:cNvSpPr>
+            <a:spLocks noGrp="1"/>
+          </p:cNvSpPr>
+          <p:nvPr>
+            <p:ph type="title"/>
+          </p:nvPr>
+        </p:nvSpPr>
+        <p:spPr/>
+        <p:txBody>
+          <a:bodyPr/>
+          <a:lstStyle/>
+          <a:p>
+            <a:r>
+              <a:rPr lang="en-AU" dirty="0"/>
+              <a:t>FT &amp; PT (separate graph / Top 5 &amp; bottom5)</a:t>
+            </a:r>
+          </a:p>
+        </p:txBody>
+      </p:sp>
+      <p:pic>
+        <p:nvPicPr>
+          <p:cNvPr id="5" name="Picture 4">
+            <a:extLst>
+              <a:ext uri="{FF2B5EF4-FFF2-40B4-BE49-F238E27FC236}">
+                <a16:creationId xmlns:a16="http://schemas.microsoft.com/office/drawing/2014/main" id="{50012B3E-2AC0-F938-7D15-3CEB57C53BE0}"/>
+              </a:ext>
+            </a:extLst>
+          </p:cNvPr>
+          <p:cNvPicPr>
+            <a:picLocks noChangeAspect="1"/>
+          </p:cNvPicPr>
+          <p:nvPr/>
+        </p:nvPicPr>
+        <p:blipFill>
+          <a:blip r:embed="rId2"/>
+          <a:stretch>
+            <a:fillRect/>
+          </a:stretch>
+        </p:blipFill>
+        <p:spPr>
+          <a:xfrm>
+            <a:off x="838200" y="1905000"/>
+            <a:ext cx="7863320" cy="6858000"/>
+          </a:xfrm>
+          <a:prstGeom prst="rect">
+            <a:avLst/>
+          </a:prstGeom>
+        </p:spPr>
+      </p:pic>
+    </p:spTree>
+    <p:extLst>
+      <p:ext uri="{BB962C8B-B14F-4D97-AF65-F5344CB8AC3E}">
+        <p14:creationId xmlns:p14="http://schemas.microsoft.com/office/powerpoint/2010/main" val="1052448718"/>
+      </p:ext>
+    </p:extLst>
+  </p:cSld>
+  <p:clrMapOvr>
+    <a:masterClrMapping/>
+  </p:clrMapOvr>
+</p:sld>
+</file>
+
+<file path=ppt/slides/slide15.xml><?xml version="1.0" encoding="utf-8"?>
+<p:sld xmlns:a="http://schemas.openxmlformats.org/drawingml/2006/main" xmlns:r="http://schemas.openxmlformats.org/officeDocument/2006/relationships" xmlns:p="http://schemas.openxmlformats.org/presentationml/2006/main">
+  <p:cSld>
+    <p:spTree>
+      <p:nvGrpSpPr>
+        <p:cNvPr id="1" name=""/>
+        <p:cNvGrpSpPr/>
+        <p:nvPr/>
+      </p:nvGrpSpPr>
+      <p:grpSpPr>
+        <a:xfrm>
+          <a:off x="0" y="0"/>
+          <a:ext cx="0" cy="0"/>
+          <a:chOff x="0" y="0"/>
+          <a:chExt cx="0" cy="0"/>
+        </a:xfrm>
+      </p:grpSpPr>
+      <p:sp>
+        <p:nvSpPr>
+          <p:cNvPr id="2" name="Title 1">
+            <a:extLst>
+              <a:ext uri="{FF2B5EF4-FFF2-40B4-BE49-F238E27FC236}">
                 <a16:creationId xmlns:a16="http://schemas.microsoft.com/office/drawing/2014/main" id="{2A9851A9-7FAD-0ADB-DB23-51A86D73113E}"/>
               </a:ext>
             </a:extLst>
@@ -3835,7 +4095,10 @@
           <a:bodyPr/>
           <a:lstStyle/>
           <a:p>
-            <a:endParaRPr lang="en-AU"/>
+            <a:r>
+              <a:rPr lang="en-AU" dirty="0"/>
+              <a:t>WA FT/ PT (Top/Bottom)</a:t>
+            </a:r>
           </a:p>
         </p:txBody>
       </p:sp>
@@ -3868,6 +4131,130 @@
     <p:extLst>
       <p:ext uri="{BB962C8B-B14F-4D97-AF65-F5344CB8AC3E}">
         <p14:creationId xmlns:p14="http://schemas.microsoft.com/office/powerpoint/2010/main" val="987156863"/>
+      </p:ext>
+    </p:extLst>
+  </p:cSld>
+  <p:clrMapOvr>
+    <a:masterClrMapping/>
+  </p:clrMapOvr>
+</p:sld>
+</file>
+
+<file path=ppt/slides/slide16.xml><?xml version="1.0" encoding="utf-8"?>
+<p:sld xmlns:a="http://schemas.openxmlformats.org/drawingml/2006/main" xmlns:r="http://schemas.openxmlformats.org/officeDocument/2006/relationships" xmlns:p="http://schemas.openxmlformats.org/presentationml/2006/main">
+  <p:cSld>
+    <p:spTree>
+      <p:nvGrpSpPr>
+        <p:cNvPr id="1" name=""/>
+        <p:cNvGrpSpPr/>
+        <p:nvPr/>
+      </p:nvGrpSpPr>
+      <p:grpSpPr>
+        <a:xfrm>
+          <a:off x="0" y="0"/>
+          <a:ext cx="0" cy="0"/>
+          <a:chOff x="0" y="0"/>
+          <a:chExt cx="0" cy="0"/>
+        </a:xfrm>
+      </p:grpSpPr>
+      <p:sp>
+        <p:nvSpPr>
+          <p:cNvPr id="2" name="Title 1">
+            <a:extLst>
+              <a:ext uri="{FF2B5EF4-FFF2-40B4-BE49-F238E27FC236}">
+                <a16:creationId xmlns:a16="http://schemas.microsoft.com/office/drawing/2014/main" id="{985E3260-0702-7D85-4FAD-05DDDC21A19B}"/>
+              </a:ext>
+            </a:extLst>
+          </p:cNvPr>
+          <p:cNvSpPr>
+            <a:spLocks noGrp="1"/>
+          </p:cNvSpPr>
+          <p:nvPr>
+            <p:ph type="title"/>
+          </p:nvPr>
+        </p:nvSpPr>
+        <p:spPr/>
+        <p:txBody>
+          <a:bodyPr/>
+          <a:lstStyle/>
+          <a:p>
+            <a:r>
+              <a:rPr lang="en-AU" dirty="0"/>
+              <a:t>Conclusion</a:t>
+            </a:r>
+          </a:p>
+        </p:txBody>
+      </p:sp>
+      <p:sp>
+        <p:nvSpPr>
+          <p:cNvPr id="3" name="Content Placeholder 2">
+            <a:extLst>
+              <a:ext uri="{FF2B5EF4-FFF2-40B4-BE49-F238E27FC236}">
+                <a16:creationId xmlns:a16="http://schemas.microsoft.com/office/drawing/2014/main" id="{40C3D41D-B959-259B-956A-33FFF100EC13}"/>
+              </a:ext>
+            </a:extLst>
+          </p:cNvPr>
+          <p:cNvSpPr>
+            <a:spLocks noGrp="1"/>
+          </p:cNvSpPr>
+          <p:nvPr>
+            <p:ph idx="1"/>
+          </p:nvPr>
+        </p:nvSpPr>
+        <p:spPr/>
+        <p:txBody>
+          <a:bodyPr>
+            <a:normAutofit fontScale="92500" lnSpcReduction="10000"/>
+          </a:bodyPr>
+          <a:lstStyle/>
+          <a:p>
+            <a:r>
+              <a:rPr lang="en-AU" dirty="0"/>
+              <a:t>Which Industries benefit from COVID/ suffer from COVID restriction</a:t>
+            </a:r>
+          </a:p>
+          <a:p>
+            <a:r>
+              <a:rPr lang="en-AU" dirty="0"/>
+              <a:t>Impact on some industry’s average weekly earning (which are enjoying the uplift/ wages adjustment)</a:t>
+            </a:r>
+          </a:p>
+          <a:p>
+            <a:r>
+              <a:rPr lang="en-AU" dirty="0"/>
+              <a:t>Although COVID impact on the job vacancy during the intense lockdown, it is evident the after boarder reopen, the job vacancy/ job market is upward trajectory </a:t>
+            </a:r>
+          </a:p>
+          <a:p>
+            <a:r>
+              <a:rPr lang="en-AU" dirty="0"/>
+              <a:t>WA boarder closure have created shortage of labour across many industries. (Assumption: we can see improvement in the shortage issue after WA boarder reopen??)</a:t>
+            </a:r>
+          </a:p>
+          <a:p>
+            <a:r>
+              <a:rPr lang="en-AU" dirty="0"/>
+              <a:t>Insight to job seeker ?</a:t>
+            </a:r>
+          </a:p>
+          <a:p>
+            <a:r>
+              <a:rPr lang="en-AU" dirty="0"/>
+              <a:t>Preparation for next pandemic (move into high education industry) </a:t>
+            </a:r>
+          </a:p>
+          <a:p>
+            <a:endParaRPr lang="en-AU" dirty="0"/>
+          </a:p>
+          <a:p>
+            <a:endParaRPr lang="en-AU" dirty="0"/>
+          </a:p>
+        </p:txBody>
+      </p:sp>
+    </p:spTree>
+    <p:extLst>
+      <p:ext uri="{BB962C8B-B14F-4D97-AF65-F5344CB8AC3E}">
+        <p14:creationId xmlns:p14="http://schemas.microsoft.com/office/powerpoint/2010/main" val="4220278711"/>
       </p:ext>
     </p:extLst>
   </p:cSld>
@@ -3899,7 +4286,7 @@
           <p:cNvPr id="2" name="Title 1">
             <a:extLst>
               <a:ext uri="{FF2B5EF4-FFF2-40B4-BE49-F238E27FC236}">
-                <a16:creationId xmlns:a16="http://schemas.microsoft.com/office/drawing/2014/main" id="{1D46B7CF-71AD-E754-5F82-EB6745648020}"/>
+                <a16:creationId xmlns:a16="http://schemas.microsoft.com/office/drawing/2014/main" id="{DC6A56F4-2E87-2FDA-BFD4-9AB7E30F8C0A}"/>
               </a:ext>
             </a:extLst>
           </p:cNvPr>
@@ -3916,19 +4303,18 @@
           <a:lstStyle/>
           <a:p>
             <a:r>
-              <a:rPr lang="en-US" dirty="0"/>
-              <a:t>Employment vs Unemployment landscape</a:t>
-            </a:r>
-            <a:endParaRPr lang="en-AU" dirty="0"/>
+              <a:rPr lang="en-AU" dirty="0"/>
+              <a:t>2021 (pie chart)</a:t>
+            </a:r>
           </a:p>
         </p:txBody>
       </p:sp>
       <p:pic>
         <p:nvPicPr>
-          <p:cNvPr id="9" name="Picture 8">
-            <a:extLst>
-              <a:ext uri="{FF2B5EF4-FFF2-40B4-BE49-F238E27FC236}">
-                <a16:creationId xmlns:a16="http://schemas.microsoft.com/office/drawing/2014/main" id="{D179164E-E073-47EA-0A90-E887DA53324C}"/>
+          <p:cNvPr id="5" name="Picture 4">
+            <a:extLst>
+              <a:ext uri="{FF2B5EF4-FFF2-40B4-BE49-F238E27FC236}">
+                <a16:creationId xmlns:a16="http://schemas.microsoft.com/office/drawing/2014/main" id="{77F93435-F716-8290-8483-3F3594B26DCF}"/>
               </a:ext>
             </a:extLst>
           </p:cNvPr>
@@ -3945,104 +4331,18 @@
         </p:blipFill>
         <p:spPr>
           <a:xfrm>
-            <a:off x="579120" y="1546860"/>
-            <a:ext cx="3825490" cy="2689674"/>
+            <a:off x="2184400" y="1999820"/>
+            <a:ext cx="7683598" cy="4179942"/>
           </a:xfrm>
           <a:prstGeom prst="rect">
             <a:avLst/>
           </a:prstGeom>
         </p:spPr>
       </p:pic>
-      <p:pic>
-        <p:nvPicPr>
-          <p:cNvPr id="11" name="Picture 10">
-            <a:extLst>
-              <a:ext uri="{FF2B5EF4-FFF2-40B4-BE49-F238E27FC236}">
-                <a16:creationId xmlns:a16="http://schemas.microsoft.com/office/drawing/2014/main" id="{D9F9DE9F-7863-2CC6-766B-CBF4CFA2A811}"/>
-              </a:ext>
-            </a:extLst>
-          </p:cNvPr>
-          <p:cNvPicPr>
-            <a:picLocks noChangeAspect="1"/>
-          </p:cNvPicPr>
-          <p:nvPr/>
-        </p:nvPicPr>
-        <p:blipFill>
-          <a:blip r:embed="rId3"/>
-          <a:stretch>
-            <a:fillRect/>
-          </a:stretch>
-        </p:blipFill>
-        <p:spPr>
-          <a:xfrm>
-            <a:off x="4404610" y="3174460"/>
-            <a:ext cx="4715533" cy="3191320"/>
-          </a:xfrm>
-          <a:prstGeom prst="rect">
-            <a:avLst/>
-          </a:prstGeom>
-        </p:spPr>
-      </p:pic>
-      <p:sp>
-        <p:nvSpPr>
-          <p:cNvPr id="12" name="TextBox 11">
-            <a:extLst>
-              <a:ext uri="{FF2B5EF4-FFF2-40B4-BE49-F238E27FC236}">
-                <a16:creationId xmlns:a16="http://schemas.microsoft.com/office/drawing/2014/main" id="{1E69385E-BCA4-4C4E-E542-D5B89203058C}"/>
-              </a:ext>
-            </a:extLst>
-          </p:cNvPr>
-          <p:cNvSpPr txBox="1"/>
-          <p:nvPr/>
-        </p:nvSpPr>
-        <p:spPr>
-          <a:xfrm>
-            <a:off x="4815840" y="1546860"/>
-            <a:ext cx="6202680" cy="1477328"/>
-          </a:xfrm>
-          <a:prstGeom prst="rect">
-            <a:avLst/>
-          </a:prstGeom>
-          <a:noFill/>
-        </p:spPr>
-        <p:txBody>
-          <a:bodyPr wrap="square" rtlCol="0">
-            <a:spAutoFit/>
-          </a:bodyPr>
-          <a:lstStyle/>
-          <a:p>
-            <a:r>
-              <a:rPr lang="en-US" dirty="0"/>
-              <a:t>**Need to add more info: </a:t>
-            </a:r>
-          </a:p>
-          <a:p>
-            <a:r>
-              <a:rPr lang="en-US" dirty="0"/>
-              <a:t>First day of Lockdown in each state</a:t>
-            </a:r>
-          </a:p>
-          <a:p>
-            <a:r>
-              <a:rPr lang="en-US" dirty="0"/>
-              <a:t>Day for boarder closure? </a:t>
-            </a:r>
-          </a:p>
-          <a:p>
-            <a:r>
-              <a:rPr lang="en-US" dirty="0"/>
-              <a:t>When people line up outside Centrelink waiting for payment?</a:t>
-            </a:r>
-          </a:p>
-          <a:p>
-            <a:endParaRPr lang="en-AU" dirty="0"/>
-          </a:p>
-        </p:txBody>
-      </p:sp>
     </p:spTree>
     <p:extLst>
       <p:ext uri="{BB962C8B-B14F-4D97-AF65-F5344CB8AC3E}">
-        <p14:creationId xmlns:p14="http://schemas.microsoft.com/office/powerpoint/2010/main" val="2167711349"/>
+        <p14:creationId xmlns:p14="http://schemas.microsoft.com/office/powerpoint/2010/main" val="305200544"/>
       </p:ext>
     </p:extLst>
   </p:cSld>
@@ -4074,7 +4374,7 @@
           <p:cNvPr id="2" name="Title 1">
             <a:extLst>
               <a:ext uri="{FF2B5EF4-FFF2-40B4-BE49-F238E27FC236}">
-                <a16:creationId xmlns:a16="http://schemas.microsoft.com/office/drawing/2014/main" id="{88D2E2A4-E65B-0FC5-35C9-6CFCAEAB3853}"/>
+                <a16:creationId xmlns:a16="http://schemas.microsoft.com/office/drawing/2014/main" id="{1D46B7CF-71AD-E754-5F82-EB6745648020}"/>
               </a:ext>
             </a:extLst>
           </p:cNvPr>
@@ -4092,14 +4392,7 @@
           <a:p>
             <a:r>
               <a:rPr lang="en-US" dirty="0"/>
-              <a:t>Employed by Industry</a:t>
-            </a:r>
-            <a:br>
-              <a:rPr lang="en-US" dirty="0"/>
-            </a:br>
-            <a:r>
-              <a:rPr lang="en-US" dirty="0"/>
-              <a:t>***Only include top 5 industries</a:t>
+              <a:t>Employment vs Unemployment landscape</a:t>
             </a:r>
             <a:endParaRPr lang="en-AU" dirty="0"/>
           </a:p>
@@ -4107,10 +4400,10 @@
       </p:sp>
       <p:pic>
         <p:nvPicPr>
-          <p:cNvPr id="5" name="Picture 4">
-            <a:extLst>
-              <a:ext uri="{FF2B5EF4-FFF2-40B4-BE49-F238E27FC236}">
-                <a16:creationId xmlns:a16="http://schemas.microsoft.com/office/drawing/2014/main" id="{AB28699B-8194-06BE-7CEE-6C7F0D0748C3}"/>
+          <p:cNvPr id="9" name="Picture 8">
+            <a:extLst>
+              <a:ext uri="{FF2B5EF4-FFF2-40B4-BE49-F238E27FC236}">
+                <a16:creationId xmlns:a16="http://schemas.microsoft.com/office/drawing/2014/main" id="{D179164E-E073-47EA-0A90-E887DA53324C}"/>
               </a:ext>
             </a:extLst>
           </p:cNvPr>
@@ -4127,8 +4420,348 @@
         </p:blipFill>
         <p:spPr>
           <a:xfrm>
-            <a:off x="1064266" y="2325905"/>
-            <a:ext cx="7059010" cy="3381847"/>
+            <a:off x="579120" y="1546860"/>
+            <a:ext cx="3825490" cy="2689674"/>
+          </a:xfrm>
+          <a:prstGeom prst="rect">
+            <a:avLst/>
+          </a:prstGeom>
+        </p:spPr>
+      </p:pic>
+      <p:pic>
+        <p:nvPicPr>
+          <p:cNvPr id="11" name="Picture 10">
+            <a:extLst>
+              <a:ext uri="{FF2B5EF4-FFF2-40B4-BE49-F238E27FC236}">
+                <a16:creationId xmlns:a16="http://schemas.microsoft.com/office/drawing/2014/main" id="{D9F9DE9F-7863-2CC6-766B-CBF4CFA2A811}"/>
+              </a:ext>
+            </a:extLst>
+          </p:cNvPr>
+          <p:cNvPicPr>
+            <a:picLocks noChangeAspect="1"/>
+          </p:cNvPicPr>
+          <p:nvPr/>
+        </p:nvPicPr>
+        <p:blipFill>
+          <a:blip r:embed="rId3"/>
+          <a:stretch>
+            <a:fillRect/>
+          </a:stretch>
+        </p:blipFill>
+        <p:spPr>
+          <a:xfrm>
+            <a:off x="4404610" y="3174460"/>
+            <a:ext cx="4715533" cy="3191320"/>
+          </a:xfrm>
+          <a:prstGeom prst="rect">
+            <a:avLst/>
+          </a:prstGeom>
+        </p:spPr>
+      </p:pic>
+      <p:sp>
+        <p:nvSpPr>
+          <p:cNvPr id="12" name="TextBox 11">
+            <a:extLst>
+              <a:ext uri="{FF2B5EF4-FFF2-40B4-BE49-F238E27FC236}">
+                <a16:creationId xmlns:a16="http://schemas.microsoft.com/office/drawing/2014/main" id="{1E69385E-BCA4-4C4E-E542-D5B89203058C}"/>
+              </a:ext>
+            </a:extLst>
+          </p:cNvPr>
+          <p:cNvSpPr txBox="1"/>
+          <p:nvPr/>
+        </p:nvSpPr>
+        <p:spPr>
+          <a:xfrm>
+            <a:off x="4790440" y="1546860"/>
+            <a:ext cx="6202680" cy="1477328"/>
+          </a:xfrm>
+          <a:prstGeom prst="rect">
+            <a:avLst/>
+          </a:prstGeom>
+          <a:noFill/>
+        </p:spPr>
+        <p:txBody>
+          <a:bodyPr wrap="square" rtlCol="0">
+            <a:spAutoFit/>
+          </a:bodyPr>
+          <a:lstStyle/>
+          <a:p>
+            <a:r>
+              <a:rPr lang="en-US" dirty="0"/>
+              <a:t>**Need to add more info: </a:t>
+            </a:r>
+          </a:p>
+          <a:p>
+            <a:r>
+              <a:rPr lang="en-US" dirty="0"/>
+              <a:t>First day of Lockdown in each state</a:t>
+            </a:r>
+          </a:p>
+          <a:p>
+            <a:r>
+              <a:rPr lang="en-US" dirty="0"/>
+              <a:t>Day for boarder closure? </a:t>
+            </a:r>
+          </a:p>
+          <a:p>
+            <a:r>
+              <a:rPr lang="en-US" dirty="0"/>
+              <a:t>When people line up outside Centrelink waiting for payment?</a:t>
+            </a:r>
+          </a:p>
+          <a:p>
+            <a:endParaRPr lang="en-AU" dirty="0"/>
+          </a:p>
+        </p:txBody>
+      </p:sp>
+    </p:spTree>
+    <p:extLst>
+      <p:ext uri="{BB962C8B-B14F-4D97-AF65-F5344CB8AC3E}">
+        <p14:creationId xmlns:p14="http://schemas.microsoft.com/office/powerpoint/2010/main" val="2167711349"/>
+      </p:ext>
+    </p:extLst>
+  </p:cSld>
+  <p:clrMapOvr>
+    <a:masterClrMapping/>
+  </p:clrMapOvr>
+</p:sld>
+</file>
+
+<file path=ppt/slides/slide4.xml><?xml version="1.0" encoding="utf-8"?>
+<p:sld xmlns:a="http://schemas.openxmlformats.org/drawingml/2006/main" xmlns:r="http://schemas.openxmlformats.org/officeDocument/2006/relationships" xmlns:p="http://schemas.openxmlformats.org/presentationml/2006/main">
+  <p:cSld>
+    <p:spTree>
+      <p:nvGrpSpPr>
+        <p:cNvPr id="1" name=""/>
+        <p:cNvGrpSpPr/>
+        <p:nvPr/>
+      </p:nvGrpSpPr>
+      <p:grpSpPr>
+        <a:xfrm>
+          <a:off x="0" y="0"/>
+          <a:ext cx="0" cy="0"/>
+          <a:chOff x="0" y="0"/>
+          <a:chExt cx="0" cy="0"/>
+        </a:xfrm>
+      </p:grpSpPr>
+      <p:sp>
+        <p:nvSpPr>
+          <p:cNvPr id="2" name="Title 1">
+            <a:extLst>
+              <a:ext uri="{FF2B5EF4-FFF2-40B4-BE49-F238E27FC236}">
+                <a16:creationId xmlns:a16="http://schemas.microsoft.com/office/drawing/2014/main" id="{EB7DC31E-240C-2EF6-91FE-8D7159EBF0D0}"/>
+              </a:ext>
+            </a:extLst>
+          </p:cNvPr>
+          <p:cNvSpPr>
+            <a:spLocks noGrp="1"/>
+          </p:cNvSpPr>
+          <p:nvPr>
+            <p:ph type="title"/>
+          </p:nvPr>
+        </p:nvSpPr>
+        <p:spPr/>
+        <p:txBody>
+          <a:bodyPr/>
+          <a:lstStyle/>
+          <a:p>
+            <a:endParaRPr lang="en-AU"/>
+          </a:p>
+        </p:txBody>
+      </p:sp>
+      <p:pic>
+        <p:nvPicPr>
+          <p:cNvPr id="5" name="Picture 4">
+            <a:extLst>
+              <a:ext uri="{FF2B5EF4-FFF2-40B4-BE49-F238E27FC236}">
+                <a16:creationId xmlns:a16="http://schemas.microsoft.com/office/drawing/2014/main" id="{F97186C6-53AC-3BAC-B1D8-D5C885914EE7}"/>
+              </a:ext>
+            </a:extLst>
+          </p:cNvPr>
+          <p:cNvPicPr>
+            <a:picLocks noChangeAspect="1"/>
+          </p:cNvPicPr>
+          <p:nvPr/>
+        </p:nvPicPr>
+        <p:blipFill>
+          <a:blip r:embed="rId2"/>
+          <a:stretch>
+            <a:fillRect/>
+          </a:stretch>
+        </p:blipFill>
+        <p:spPr>
+          <a:xfrm>
+            <a:off x="369937" y="1780140"/>
+            <a:ext cx="7211431" cy="3219899"/>
+          </a:xfrm>
+          <a:prstGeom prst="rect">
+            <a:avLst/>
+          </a:prstGeom>
+        </p:spPr>
+      </p:pic>
+      <p:pic>
+        <p:nvPicPr>
+          <p:cNvPr id="7" name="Picture 6">
+            <a:extLst>
+              <a:ext uri="{FF2B5EF4-FFF2-40B4-BE49-F238E27FC236}">
+                <a16:creationId xmlns:a16="http://schemas.microsoft.com/office/drawing/2014/main" id="{EB4372C9-ED78-1DAC-4BAE-C58C9B593FE6}"/>
+              </a:ext>
+            </a:extLst>
+          </p:cNvPr>
+          <p:cNvPicPr>
+            <a:picLocks noChangeAspect="1"/>
+          </p:cNvPicPr>
+          <p:nvPr/>
+        </p:nvPicPr>
+        <p:blipFill>
+          <a:blip r:embed="rId3"/>
+          <a:stretch>
+            <a:fillRect/>
+          </a:stretch>
+        </p:blipFill>
+        <p:spPr>
+          <a:xfrm>
+            <a:off x="5732930" y="1880166"/>
+            <a:ext cx="7173326" cy="3019846"/>
+          </a:xfrm>
+          <a:prstGeom prst="rect">
+            <a:avLst/>
+          </a:prstGeom>
+        </p:spPr>
+      </p:pic>
+      <p:sp>
+        <p:nvSpPr>
+          <p:cNvPr id="8" name="TextBox 7">
+            <a:extLst>
+              <a:ext uri="{FF2B5EF4-FFF2-40B4-BE49-F238E27FC236}">
+                <a16:creationId xmlns:a16="http://schemas.microsoft.com/office/drawing/2014/main" id="{A7DD9B15-B25F-E9E5-ADBA-57952D599A63}"/>
+              </a:ext>
+            </a:extLst>
+          </p:cNvPr>
+          <p:cNvSpPr txBox="1"/>
+          <p:nvPr/>
+        </p:nvSpPr>
+        <p:spPr>
+          <a:xfrm>
+            <a:off x="838200" y="5357191"/>
+            <a:ext cx="7659757" cy="923330"/>
+          </a:xfrm>
+          <a:prstGeom prst="rect">
+            <a:avLst/>
+          </a:prstGeom>
+          <a:noFill/>
+        </p:spPr>
+        <p:txBody>
+          <a:bodyPr wrap="square" rtlCol="0">
+            <a:spAutoFit/>
+          </a:bodyPr>
+          <a:lstStyle/>
+          <a:p>
+            <a:r>
+              <a:rPr lang="en-AU" dirty="0"/>
+              <a:t>Update chart legend to show (‘000)</a:t>
+            </a:r>
+          </a:p>
+          <a:p>
+            <a:r>
+              <a:rPr lang="en-AU" dirty="0"/>
+              <a:t>And only select top 3 from the employed (high)</a:t>
+            </a:r>
+          </a:p>
+          <a:p>
+            <a:r>
+              <a:rPr lang="en-AU" dirty="0"/>
+              <a:t>Add number of person lost job from Accommodation and Art industry</a:t>
+            </a:r>
+          </a:p>
+        </p:txBody>
+      </p:sp>
+    </p:spTree>
+    <p:extLst>
+      <p:ext uri="{BB962C8B-B14F-4D97-AF65-F5344CB8AC3E}">
+        <p14:creationId xmlns:p14="http://schemas.microsoft.com/office/powerpoint/2010/main" val="4186090687"/>
+      </p:ext>
+    </p:extLst>
+  </p:cSld>
+  <p:clrMapOvr>
+    <a:masterClrMapping/>
+  </p:clrMapOvr>
+</p:sld>
+</file>
+
+<file path=ppt/slides/slide5.xml><?xml version="1.0" encoding="utf-8"?>
+<p:sld xmlns:a="http://schemas.openxmlformats.org/drawingml/2006/main" xmlns:r="http://schemas.openxmlformats.org/officeDocument/2006/relationships" xmlns:p="http://schemas.openxmlformats.org/presentationml/2006/main">
+  <p:cSld>
+    <p:spTree>
+      <p:nvGrpSpPr>
+        <p:cNvPr id="1" name=""/>
+        <p:cNvGrpSpPr/>
+        <p:nvPr/>
+      </p:nvGrpSpPr>
+      <p:grpSpPr>
+        <a:xfrm>
+          <a:off x="0" y="0"/>
+          <a:ext cx="0" cy="0"/>
+          <a:chOff x="0" y="0"/>
+          <a:chExt cx="0" cy="0"/>
+        </a:xfrm>
+      </p:grpSpPr>
+      <p:sp>
+        <p:nvSpPr>
+          <p:cNvPr id="2" name="Title 1">
+            <a:extLst>
+              <a:ext uri="{FF2B5EF4-FFF2-40B4-BE49-F238E27FC236}">
+                <a16:creationId xmlns:a16="http://schemas.microsoft.com/office/drawing/2014/main" id="{88D2E2A4-E65B-0FC5-35C9-6CFCAEAB3853}"/>
+              </a:ext>
+            </a:extLst>
+          </p:cNvPr>
+          <p:cNvSpPr>
+            <a:spLocks noGrp="1"/>
+          </p:cNvSpPr>
+          <p:nvPr>
+            <p:ph type="title"/>
+          </p:nvPr>
+        </p:nvSpPr>
+        <p:spPr/>
+        <p:txBody>
+          <a:bodyPr/>
+          <a:lstStyle/>
+          <a:p>
+            <a:r>
+              <a:rPr lang="en-US" dirty="0"/>
+              <a:t>Employed by Industry</a:t>
+            </a:r>
+            <a:br>
+              <a:rPr lang="en-US" dirty="0"/>
+            </a:br>
+            <a:endParaRPr lang="en-AU" dirty="0"/>
+          </a:p>
+        </p:txBody>
+      </p:sp>
+      <p:pic>
+        <p:nvPicPr>
+          <p:cNvPr id="4" name="Picture 3">
+            <a:extLst>
+              <a:ext uri="{FF2B5EF4-FFF2-40B4-BE49-F238E27FC236}">
+                <a16:creationId xmlns:a16="http://schemas.microsoft.com/office/drawing/2014/main" id="{5E16E250-5779-2C40-E31A-6C27C4CDF68D}"/>
+              </a:ext>
+            </a:extLst>
+          </p:cNvPr>
+          <p:cNvPicPr>
+            <a:picLocks noChangeAspect="1"/>
+          </p:cNvPicPr>
+          <p:nvPr/>
+        </p:nvPicPr>
+        <p:blipFill>
+          <a:blip r:embed="rId2"/>
+          <a:stretch>
+            <a:fillRect/>
+          </a:stretch>
+        </p:blipFill>
+        <p:spPr>
+          <a:xfrm>
+            <a:off x="2645715" y="2005487"/>
+            <a:ext cx="6137797" cy="2837445"/>
           </a:xfrm>
           <a:prstGeom prst="rect">
             <a:avLst/>
@@ -4148,7 +4781,125 @@
 </p:sld>
 </file>
 
-<file path=ppt/slides/slide4.xml><?xml version="1.0" encoding="utf-8"?>
+<file path=ppt/slides/slide6.xml><?xml version="1.0" encoding="utf-8"?>
+<p:sld xmlns:a="http://schemas.openxmlformats.org/drawingml/2006/main" xmlns:r="http://schemas.openxmlformats.org/officeDocument/2006/relationships" xmlns:p="http://schemas.openxmlformats.org/presentationml/2006/main">
+  <p:cSld>
+    <p:spTree>
+      <p:nvGrpSpPr>
+        <p:cNvPr id="1" name=""/>
+        <p:cNvGrpSpPr/>
+        <p:nvPr/>
+      </p:nvGrpSpPr>
+      <p:grpSpPr>
+        <a:xfrm>
+          <a:off x="0" y="0"/>
+          <a:ext cx="0" cy="0"/>
+          <a:chOff x="0" y="0"/>
+          <a:chExt cx="0" cy="0"/>
+        </a:xfrm>
+      </p:grpSpPr>
+      <p:sp>
+        <p:nvSpPr>
+          <p:cNvPr id="2" name="Title 1">
+            <a:extLst>
+              <a:ext uri="{FF2B5EF4-FFF2-40B4-BE49-F238E27FC236}">
+                <a16:creationId xmlns:a16="http://schemas.microsoft.com/office/drawing/2014/main" id="{641FF69F-D9B2-0601-68FD-C6C28F35A8E5}"/>
+              </a:ext>
+            </a:extLst>
+          </p:cNvPr>
+          <p:cNvSpPr>
+            <a:spLocks noGrp="1"/>
+          </p:cNvSpPr>
+          <p:nvPr>
+            <p:ph type="title"/>
+          </p:nvPr>
+        </p:nvSpPr>
+        <p:spPr/>
+        <p:txBody>
+          <a:bodyPr/>
+          <a:lstStyle/>
+          <a:p>
+            <a:r>
+              <a:rPr lang="en-AU" dirty="0"/>
+              <a:t>Changing in employment </a:t>
+            </a:r>
+          </a:p>
+        </p:txBody>
+      </p:sp>
+      <p:pic>
+        <p:nvPicPr>
+          <p:cNvPr id="5" name="Picture 4">
+            <a:extLst>
+              <a:ext uri="{FF2B5EF4-FFF2-40B4-BE49-F238E27FC236}">
+                <a16:creationId xmlns:a16="http://schemas.microsoft.com/office/drawing/2014/main" id="{812F795B-E7AF-EAB2-5F56-65A54DEE8AE7}"/>
+              </a:ext>
+            </a:extLst>
+          </p:cNvPr>
+          <p:cNvPicPr>
+            <a:picLocks noChangeAspect="1"/>
+          </p:cNvPicPr>
+          <p:nvPr/>
+        </p:nvPicPr>
+        <p:blipFill>
+          <a:blip r:embed="rId2"/>
+          <a:stretch>
+            <a:fillRect/>
+          </a:stretch>
+        </p:blipFill>
+        <p:spPr>
+          <a:xfrm>
+            <a:off x="999066" y="1801357"/>
+            <a:ext cx="6519939" cy="4775570"/>
+          </a:xfrm>
+          <a:prstGeom prst="rect">
+            <a:avLst/>
+          </a:prstGeom>
+        </p:spPr>
+      </p:pic>
+      <p:pic>
+        <p:nvPicPr>
+          <p:cNvPr id="7" name="Picture 6">
+            <a:extLst>
+              <a:ext uri="{FF2B5EF4-FFF2-40B4-BE49-F238E27FC236}">
+                <a16:creationId xmlns:a16="http://schemas.microsoft.com/office/drawing/2014/main" id="{CDD63185-107A-770E-0542-5C514A61B7CA}"/>
+              </a:ext>
+            </a:extLst>
+          </p:cNvPr>
+          <p:cNvPicPr>
+            <a:picLocks noChangeAspect="1"/>
+          </p:cNvPicPr>
+          <p:nvPr/>
+        </p:nvPicPr>
+        <p:blipFill>
+          <a:blip r:embed="rId3"/>
+          <a:stretch>
+            <a:fillRect/>
+          </a:stretch>
+        </p:blipFill>
+        <p:spPr>
+          <a:xfrm>
+            <a:off x="8962421" y="1801357"/>
+            <a:ext cx="813019" cy="4775570"/>
+          </a:xfrm>
+          <a:prstGeom prst="rect">
+            <a:avLst/>
+          </a:prstGeom>
+        </p:spPr>
+      </p:pic>
+    </p:spTree>
+    <p:extLst>
+      <p:ext uri="{BB962C8B-B14F-4D97-AF65-F5344CB8AC3E}">
+        <p14:creationId xmlns:p14="http://schemas.microsoft.com/office/powerpoint/2010/main" val="922974028"/>
+      </p:ext>
+    </p:extLst>
+  </p:cSld>
+  <p:clrMapOvr>
+    <a:masterClrMapping/>
+  </p:clrMapOvr>
+</p:sld>
+</file>
+
+<file path=ppt/slides/slide7.xml><?xml version="1.0" encoding="utf-8"?>
 <p:sld xmlns:a="http://schemas.openxmlformats.org/drawingml/2006/main" xmlns:r="http://schemas.openxmlformats.org/officeDocument/2006/relationships" xmlns:p="http://schemas.openxmlformats.org/presentationml/2006/main">
   <p:cSld>
     <p:spTree>
@@ -4267,7 +5018,7 @@
 </p:sld>
 </file>
 
-<file path=ppt/slides/slide5.xml><?xml version="1.0" encoding="utf-8"?>
+<file path=ppt/slides/slide8.xml><?xml version="1.0" encoding="utf-8"?>
 <p:sld xmlns:a="http://schemas.openxmlformats.org/drawingml/2006/main" xmlns:r="http://schemas.openxmlformats.org/officeDocument/2006/relationships" xmlns:p="http://schemas.openxmlformats.org/presentationml/2006/main">
   <p:cSld>
     <p:spTree>
@@ -4386,7 +5137,7 @@
 </p:sld>
 </file>
 
-<file path=ppt/slides/slide6.xml><?xml version="1.0" encoding="utf-8"?>
+<file path=ppt/slides/slide9.xml><?xml version="1.0" encoding="utf-8"?>
 <p:sld xmlns:a="http://schemas.openxmlformats.org/drawingml/2006/main" xmlns:r="http://schemas.openxmlformats.org/officeDocument/2006/relationships" xmlns:p="http://schemas.openxmlformats.org/presentationml/2006/main">
   <p:cSld>
     <p:spTree>
@@ -4496,426 +5247,6 @@
     <p:extLst>
       <p:ext uri="{BB962C8B-B14F-4D97-AF65-F5344CB8AC3E}">
         <p14:creationId xmlns:p14="http://schemas.microsoft.com/office/powerpoint/2010/main" val="672434229"/>
-      </p:ext>
-    </p:extLst>
-  </p:cSld>
-  <p:clrMapOvr>
-    <a:masterClrMapping/>
-  </p:clrMapOvr>
-</p:sld>
-</file>
-
-<file path=ppt/slides/slide7.xml><?xml version="1.0" encoding="utf-8"?>
-<p:sld xmlns:a="http://schemas.openxmlformats.org/drawingml/2006/main" xmlns:r="http://schemas.openxmlformats.org/officeDocument/2006/relationships" xmlns:p="http://schemas.openxmlformats.org/presentationml/2006/main">
-  <p:cSld>
-    <p:spTree>
-      <p:nvGrpSpPr>
-        <p:cNvPr id="1" name=""/>
-        <p:cNvGrpSpPr/>
-        <p:nvPr/>
-      </p:nvGrpSpPr>
-      <p:grpSpPr>
-        <a:xfrm>
-          <a:off x="0" y="0"/>
-          <a:ext cx="0" cy="0"/>
-          <a:chOff x="0" y="0"/>
-          <a:chExt cx="0" cy="0"/>
-        </a:xfrm>
-      </p:grpSpPr>
-      <p:sp>
-        <p:nvSpPr>
-          <p:cNvPr id="2" name="Title 1">
-            <a:extLst>
-              <a:ext uri="{FF2B5EF4-FFF2-40B4-BE49-F238E27FC236}">
-                <a16:creationId xmlns:a16="http://schemas.microsoft.com/office/drawing/2014/main" id="{63DAEC9D-DDC5-1D93-CB4F-FE2D1C9BECAA}"/>
-              </a:ext>
-            </a:extLst>
-          </p:cNvPr>
-          <p:cNvSpPr>
-            <a:spLocks noGrp="1"/>
-          </p:cNvSpPr>
-          <p:nvPr>
-            <p:ph type="title"/>
-          </p:nvPr>
-        </p:nvSpPr>
-        <p:spPr/>
-        <p:txBody>
-          <a:bodyPr/>
-          <a:lstStyle/>
-          <a:p>
-            <a:r>
-              <a:rPr lang="en-US" dirty="0"/>
-              <a:t>Job Vacancy</a:t>
-            </a:r>
-            <a:endParaRPr lang="en-AU" dirty="0"/>
-          </a:p>
-        </p:txBody>
-      </p:sp>
-      <p:pic>
-        <p:nvPicPr>
-          <p:cNvPr id="5" name="Picture 4">
-            <a:extLst>
-              <a:ext uri="{FF2B5EF4-FFF2-40B4-BE49-F238E27FC236}">
-                <a16:creationId xmlns:a16="http://schemas.microsoft.com/office/drawing/2014/main" id="{EBB1A310-55A3-B33D-65AD-4ACC69B68B60}"/>
-              </a:ext>
-            </a:extLst>
-          </p:cNvPr>
-          <p:cNvPicPr>
-            <a:picLocks noChangeAspect="1"/>
-          </p:cNvPicPr>
-          <p:nvPr/>
-        </p:nvPicPr>
-        <p:blipFill>
-          <a:blip r:embed="rId2"/>
-          <a:stretch>
-            <a:fillRect/>
-          </a:stretch>
-        </p:blipFill>
-        <p:spPr>
-          <a:xfrm>
-            <a:off x="838200" y="1501888"/>
-            <a:ext cx="4725059" cy="2924583"/>
-          </a:xfrm>
-          <a:prstGeom prst="rect">
-            <a:avLst/>
-          </a:prstGeom>
-        </p:spPr>
-      </p:pic>
-      <p:pic>
-        <p:nvPicPr>
-          <p:cNvPr id="7" name="Picture 6">
-            <a:extLst>
-              <a:ext uri="{FF2B5EF4-FFF2-40B4-BE49-F238E27FC236}">
-                <a16:creationId xmlns:a16="http://schemas.microsoft.com/office/drawing/2014/main" id="{A59CD591-9079-90FC-9599-033ECA6B84C9}"/>
-              </a:ext>
-            </a:extLst>
-          </p:cNvPr>
-          <p:cNvPicPr>
-            <a:picLocks noChangeAspect="1"/>
-          </p:cNvPicPr>
-          <p:nvPr/>
-        </p:nvPicPr>
-        <p:blipFill>
-          <a:blip r:embed="rId3"/>
-          <a:stretch>
-            <a:fillRect/>
-          </a:stretch>
-        </p:blipFill>
-        <p:spPr>
-          <a:xfrm>
-            <a:off x="5457737" y="1690688"/>
-            <a:ext cx="5896063" cy="3546421"/>
-          </a:xfrm>
-          <a:prstGeom prst="rect">
-            <a:avLst/>
-          </a:prstGeom>
-        </p:spPr>
-      </p:pic>
-      <p:sp>
-        <p:nvSpPr>
-          <p:cNvPr id="8" name="TextBox 7">
-            <a:extLst>
-              <a:ext uri="{FF2B5EF4-FFF2-40B4-BE49-F238E27FC236}">
-                <a16:creationId xmlns:a16="http://schemas.microsoft.com/office/drawing/2014/main" id="{F14412AF-6C7C-3177-EBC3-CAA24FF1AECB}"/>
-              </a:ext>
-            </a:extLst>
-          </p:cNvPr>
-          <p:cNvSpPr txBox="1"/>
-          <p:nvPr/>
-        </p:nvSpPr>
-        <p:spPr>
-          <a:xfrm>
-            <a:off x="1737360" y="5196840"/>
-            <a:ext cx="3025140" cy="369332"/>
-          </a:xfrm>
-          <a:prstGeom prst="rect">
-            <a:avLst/>
-          </a:prstGeom>
-          <a:noFill/>
-        </p:spPr>
-        <p:txBody>
-          <a:bodyPr wrap="square" rtlCol="0">
-            <a:spAutoFit/>
-          </a:bodyPr>
-          <a:lstStyle/>
-          <a:p>
-            <a:r>
-              <a:rPr lang="en-US" dirty="0"/>
-              <a:t>Insert bar chart %</a:t>
-            </a:r>
-            <a:endParaRPr lang="en-AU" dirty="0"/>
-          </a:p>
-        </p:txBody>
-      </p:sp>
-    </p:spTree>
-    <p:extLst>
-      <p:ext uri="{BB962C8B-B14F-4D97-AF65-F5344CB8AC3E}">
-        <p14:creationId xmlns:p14="http://schemas.microsoft.com/office/powerpoint/2010/main" val="589642860"/>
-      </p:ext>
-    </p:extLst>
-  </p:cSld>
-  <p:clrMapOvr>
-    <a:masterClrMapping/>
-  </p:clrMapOvr>
-</p:sld>
-</file>
-
-<file path=ppt/slides/slide8.xml><?xml version="1.0" encoding="utf-8"?>
-<p:sld xmlns:a="http://schemas.openxmlformats.org/drawingml/2006/main" xmlns:r="http://schemas.openxmlformats.org/officeDocument/2006/relationships" xmlns:p="http://schemas.openxmlformats.org/presentationml/2006/main">
-  <p:cSld>
-    <p:spTree>
-      <p:nvGrpSpPr>
-        <p:cNvPr id="1" name=""/>
-        <p:cNvGrpSpPr/>
-        <p:nvPr/>
-      </p:nvGrpSpPr>
-      <p:grpSpPr>
-        <a:xfrm>
-          <a:off x="0" y="0"/>
-          <a:ext cx="0" cy="0"/>
-          <a:chOff x="0" y="0"/>
-          <a:chExt cx="0" cy="0"/>
-        </a:xfrm>
-      </p:grpSpPr>
-      <p:sp>
-        <p:nvSpPr>
-          <p:cNvPr id="2" name="Title 1">
-            <a:extLst>
-              <a:ext uri="{FF2B5EF4-FFF2-40B4-BE49-F238E27FC236}">
-                <a16:creationId xmlns:a16="http://schemas.microsoft.com/office/drawing/2014/main" id="{8A37EA80-EBDD-AE44-7F09-3664383C6C8D}"/>
-              </a:ext>
-            </a:extLst>
-          </p:cNvPr>
-          <p:cNvSpPr>
-            <a:spLocks noGrp="1"/>
-          </p:cNvSpPr>
-          <p:nvPr>
-            <p:ph type="title"/>
-          </p:nvPr>
-        </p:nvSpPr>
-        <p:spPr/>
-        <p:txBody>
-          <a:bodyPr/>
-          <a:lstStyle/>
-          <a:p>
-            <a:r>
-              <a:rPr lang="en-US" dirty="0" err="1"/>
-              <a:t>Vacanies</a:t>
-            </a:r>
-            <a:r>
-              <a:rPr lang="en-US" dirty="0"/>
-              <a:t> by state (change from 2018-2021)</a:t>
-            </a:r>
-            <a:endParaRPr lang="en-AU" dirty="0"/>
-          </a:p>
-        </p:txBody>
-      </p:sp>
-      <p:pic>
-        <p:nvPicPr>
-          <p:cNvPr id="5" name="Picture 4">
-            <a:extLst>
-              <a:ext uri="{FF2B5EF4-FFF2-40B4-BE49-F238E27FC236}">
-                <a16:creationId xmlns:a16="http://schemas.microsoft.com/office/drawing/2014/main" id="{0C110C55-5D16-DBB8-BDCE-81587D008E68}"/>
-              </a:ext>
-            </a:extLst>
-          </p:cNvPr>
-          <p:cNvPicPr>
-            <a:picLocks noChangeAspect="1"/>
-          </p:cNvPicPr>
-          <p:nvPr/>
-        </p:nvPicPr>
-        <p:blipFill>
-          <a:blip r:embed="rId2"/>
-          <a:stretch>
-            <a:fillRect/>
-          </a:stretch>
-        </p:blipFill>
-        <p:spPr>
-          <a:xfrm>
-            <a:off x="2278708" y="1497592"/>
-            <a:ext cx="6541963" cy="4834628"/>
-          </a:xfrm>
-          <a:prstGeom prst="rect">
-            <a:avLst/>
-          </a:prstGeom>
-        </p:spPr>
-      </p:pic>
-    </p:spTree>
-    <p:extLst>
-      <p:ext uri="{BB962C8B-B14F-4D97-AF65-F5344CB8AC3E}">
-        <p14:creationId xmlns:p14="http://schemas.microsoft.com/office/powerpoint/2010/main" val="929465799"/>
-      </p:ext>
-    </p:extLst>
-  </p:cSld>
-  <p:clrMapOvr>
-    <a:masterClrMapping/>
-  </p:clrMapOvr>
-</p:sld>
-</file>
-
-<file path=ppt/slides/slide9.xml><?xml version="1.0" encoding="utf-8"?>
-<p:sld xmlns:a="http://schemas.openxmlformats.org/drawingml/2006/main" xmlns:r="http://schemas.openxmlformats.org/officeDocument/2006/relationships" xmlns:p="http://schemas.openxmlformats.org/presentationml/2006/main">
-  <p:cSld>
-    <p:spTree>
-      <p:nvGrpSpPr>
-        <p:cNvPr id="1" name=""/>
-        <p:cNvGrpSpPr/>
-        <p:nvPr/>
-      </p:nvGrpSpPr>
-      <p:grpSpPr>
-        <a:xfrm>
-          <a:off x="0" y="0"/>
-          <a:ext cx="0" cy="0"/>
-          <a:chOff x="0" y="0"/>
-          <a:chExt cx="0" cy="0"/>
-        </a:xfrm>
-      </p:grpSpPr>
-      <p:sp>
-        <p:nvSpPr>
-          <p:cNvPr id="2" name="Title 1">
-            <a:extLst>
-              <a:ext uri="{FF2B5EF4-FFF2-40B4-BE49-F238E27FC236}">
-                <a16:creationId xmlns:a16="http://schemas.microsoft.com/office/drawing/2014/main" id="{E12D65AF-9677-F5D3-88AA-5A0C99C93938}"/>
-              </a:ext>
-            </a:extLst>
-          </p:cNvPr>
-          <p:cNvSpPr>
-            <a:spLocks noGrp="1"/>
-          </p:cNvSpPr>
-          <p:nvPr>
-            <p:ph type="title"/>
-          </p:nvPr>
-        </p:nvSpPr>
-        <p:spPr/>
-        <p:txBody>
-          <a:bodyPr/>
-          <a:lstStyle/>
-          <a:p>
-            <a:r>
-              <a:rPr lang="en-US" dirty="0"/>
-              <a:t>Job vacancies changes</a:t>
-            </a:r>
-            <a:endParaRPr lang="en-AU" dirty="0"/>
-          </a:p>
-        </p:txBody>
-      </p:sp>
-      <p:pic>
-        <p:nvPicPr>
-          <p:cNvPr id="5" name="Picture 4">
-            <a:extLst>
-              <a:ext uri="{FF2B5EF4-FFF2-40B4-BE49-F238E27FC236}">
-                <a16:creationId xmlns:a16="http://schemas.microsoft.com/office/drawing/2014/main" id="{A8C2418C-5402-4E11-109A-1DE29D473F09}"/>
-              </a:ext>
-            </a:extLst>
-          </p:cNvPr>
-          <p:cNvPicPr>
-            <a:picLocks noChangeAspect="1"/>
-          </p:cNvPicPr>
-          <p:nvPr/>
-        </p:nvPicPr>
-        <p:blipFill>
-          <a:blip r:embed="rId2"/>
-          <a:stretch>
-            <a:fillRect/>
-          </a:stretch>
-        </p:blipFill>
-        <p:spPr>
-          <a:xfrm>
-            <a:off x="1097281" y="1756995"/>
-            <a:ext cx="4228548" cy="2490788"/>
-          </a:xfrm>
-          <a:prstGeom prst="rect">
-            <a:avLst/>
-          </a:prstGeom>
-        </p:spPr>
-      </p:pic>
-      <p:pic>
-        <p:nvPicPr>
-          <p:cNvPr id="6" name="Picture 5">
-            <a:extLst>
-              <a:ext uri="{FF2B5EF4-FFF2-40B4-BE49-F238E27FC236}">
-                <a16:creationId xmlns:a16="http://schemas.microsoft.com/office/drawing/2014/main" id="{8FA588C7-0247-7270-58C6-BE315A9C63B9}"/>
-              </a:ext>
-            </a:extLst>
-          </p:cNvPr>
-          <p:cNvPicPr>
-            <a:picLocks noChangeAspect="1"/>
-          </p:cNvPicPr>
-          <p:nvPr/>
-        </p:nvPicPr>
-        <p:blipFill>
-          <a:blip r:embed="rId3"/>
-          <a:stretch>
-            <a:fillRect/>
-          </a:stretch>
-        </p:blipFill>
-        <p:spPr>
-          <a:xfrm>
-            <a:off x="5867400" y="1442292"/>
-            <a:ext cx="4541520" cy="3120193"/>
-          </a:xfrm>
-          <a:prstGeom prst="rect">
-            <a:avLst/>
-          </a:prstGeom>
-        </p:spPr>
-      </p:pic>
-      <p:sp>
-        <p:nvSpPr>
-          <p:cNvPr id="7" name="TextBox 6">
-            <a:extLst>
-              <a:ext uri="{FF2B5EF4-FFF2-40B4-BE49-F238E27FC236}">
-                <a16:creationId xmlns:a16="http://schemas.microsoft.com/office/drawing/2014/main" id="{F0B78CA6-894D-72FC-4B5A-466874ECCC35}"/>
-              </a:ext>
-            </a:extLst>
-          </p:cNvPr>
-          <p:cNvSpPr txBox="1"/>
-          <p:nvPr/>
-        </p:nvSpPr>
-        <p:spPr>
-          <a:xfrm>
-            <a:off x="1485900" y="4572000"/>
-            <a:ext cx="6217920" cy="1200329"/>
-          </a:xfrm>
-          <a:prstGeom prst="rect">
-            <a:avLst/>
-          </a:prstGeom>
-          <a:noFill/>
-        </p:spPr>
-        <p:txBody>
-          <a:bodyPr wrap="square" rtlCol="0">
-            <a:spAutoFit/>
-          </a:bodyPr>
-          <a:lstStyle/>
-          <a:p>
-            <a:r>
-              <a:rPr lang="en-US" dirty="0"/>
-              <a:t>*****Insert info for the Top &amp; bottom 5 industries – Avg </a:t>
-            </a:r>
-            <a:r>
-              <a:rPr lang="en-US" dirty="0" err="1"/>
-              <a:t>wkly</a:t>
-            </a:r>
-            <a:r>
-              <a:rPr lang="en-US" dirty="0"/>
-              <a:t> Earning</a:t>
-            </a:r>
-          </a:p>
-          <a:p>
-            <a:endParaRPr lang="en-US" dirty="0"/>
-          </a:p>
-          <a:p>
-            <a:r>
-              <a:rPr lang="en-US" dirty="0"/>
-              <a:t>Add % chart</a:t>
-            </a:r>
-            <a:endParaRPr lang="en-AU" dirty="0"/>
-          </a:p>
-        </p:txBody>
-      </p:sp>
-    </p:spTree>
-    <p:extLst>
-      <p:ext uri="{BB962C8B-B14F-4D97-AF65-F5344CB8AC3E}">
-        <p14:creationId xmlns:p14="http://schemas.microsoft.com/office/powerpoint/2010/main" val="609340731"/>
       </p:ext>
     </p:extLst>
   </p:cSld>
